--- a/markdown/files/slides/05.pptx
+++ b/markdown/files/slides/05.pptx
@@ -5,7 +5,7 @@
     <p:sldMasterId id="2147483648" r:id="rId1"/>
   </p:sldMasterIdLst>
   <p:notesMasterIdLst>
-    <p:notesMasterId r:id="rId31"/>
+    <p:notesMasterId r:id="rId32"/>
   </p:notesMasterIdLst>
   <p:sldIdLst>
     <p:sldId id="256" r:id="rId2"/>
@@ -24,19 +24,20 @@
     <p:sldId id="402" r:id="rId15"/>
     <p:sldId id="414" r:id="rId16"/>
     <p:sldId id="415" r:id="rId17"/>
-    <p:sldId id="320" r:id="rId18"/>
-    <p:sldId id="395" r:id="rId19"/>
-    <p:sldId id="396" r:id="rId20"/>
-    <p:sldId id="397" r:id="rId21"/>
-    <p:sldId id="398" r:id="rId22"/>
-    <p:sldId id="340" r:id="rId23"/>
-    <p:sldId id="399" r:id="rId24"/>
-    <p:sldId id="401" r:id="rId25"/>
-    <p:sldId id="405" r:id="rId26"/>
-    <p:sldId id="406" r:id="rId27"/>
-    <p:sldId id="407" r:id="rId28"/>
-    <p:sldId id="408" r:id="rId29"/>
-    <p:sldId id="410" r:id="rId30"/>
+    <p:sldId id="416" r:id="rId18"/>
+    <p:sldId id="320" r:id="rId19"/>
+    <p:sldId id="395" r:id="rId20"/>
+    <p:sldId id="396" r:id="rId21"/>
+    <p:sldId id="397" r:id="rId22"/>
+    <p:sldId id="398" r:id="rId23"/>
+    <p:sldId id="340" r:id="rId24"/>
+    <p:sldId id="399" r:id="rId25"/>
+    <p:sldId id="401" r:id="rId26"/>
+    <p:sldId id="405" r:id="rId27"/>
+    <p:sldId id="406" r:id="rId28"/>
+    <p:sldId id="407" r:id="rId29"/>
+    <p:sldId id="408" r:id="rId30"/>
+    <p:sldId id="410" r:id="rId31"/>
   </p:sldIdLst>
   <p:sldSz cx="12192000" cy="6858000"/>
   <p:notesSz cx="6858000" cy="9144000"/>
@@ -6467,6 +6468,1121 @@
         <p:cNvPr id="1" name="">
           <a:extLst>
             <a:ext uri="{FF2B5EF4-FFF2-40B4-BE49-F238E27FC236}">
+              <a16:creationId xmlns:a16="http://schemas.microsoft.com/office/drawing/2014/main" id="{1749B5BF-870F-FF6C-6B5E-FA84A90FD90A}"/>
+            </a:ext>
+          </a:extLst>
+        </p:cNvPr>
+        <p:cNvGrpSpPr/>
+        <p:nvPr/>
+      </p:nvGrpSpPr>
+      <p:grpSpPr>
+        <a:xfrm>
+          <a:off x="0" y="0"/>
+          <a:ext cx="0" cy="0"/>
+          <a:chOff x="0" y="0"/>
+          <a:chExt cx="0" cy="0"/>
+        </a:xfrm>
+      </p:grpSpPr>
+      <p:sp>
+        <p:nvSpPr>
+          <p:cNvPr id="2" name="Title 1">
+            <a:extLst>
+              <a:ext uri="{FF2B5EF4-FFF2-40B4-BE49-F238E27FC236}">
+                <a16:creationId xmlns:a16="http://schemas.microsoft.com/office/drawing/2014/main" id="{E3071B10-4011-5805-BAC7-101E3F66E5A4}"/>
+              </a:ext>
+            </a:extLst>
+          </p:cNvPr>
+          <p:cNvSpPr>
+            <a:spLocks noGrp="1"/>
+          </p:cNvSpPr>
+          <p:nvPr>
+            <p:ph type="title"/>
+          </p:nvPr>
+        </p:nvSpPr>
+        <p:spPr/>
+        <p:txBody>
+          <a:bodyPr>
+            <a:normAutofit/>
+          </a:bodyPr>
+          <a:lstStyle/>
+          <a:p>
+            <a:r>
+              <a:rPr lang="en-US" dirty="0"/>
+              <a:t>Asymptotic Notation Examples</a:t>
+            </a:r>
+          </a:p>
+        </p:txBody>
+      </p:sp>
+      <p:sp>
+        <p:nvSpPr>
+          <p:cNvPr id="3" name="Content Placeholder 2">
+            <a:extLst>
+              <a:ext uri="{FF2B5EF4-FFF2-40B4-BE49-F238E27FC236}">
+                <a16:creationId xmlns:a16="http://schemas.microsoft.com/office/drawing/2014/main" id="{F0D89563-1E82-86A0-E9E2-DDF612150F27}"/>
+              </a:ext>
+            </a:extLst>
+          </p:cNvPr>
+          <p:cNvSpPr>
+            <a:spLocks noGrp="1"/>
+          </p:cNvSpPr>
+          <p:nvPr>
+            <p:ph idx="1"/>
+          </p:nvPr>
+        </p:nvSpPr>
+        <p:spPr/>
+        <p:txBody>
+          <a:bodyPr/>
+          <a:lstStyle/>
+          <a:p>
+            <a:endParaRPr lang="en-US" dirty="0"/>
+          </a:p>
+          <a:p>
+            <a:endParaRPr lang="en-US" dirty="0"/>
+          </a:p>
+          <a:p>
+            <a:endParaRPr lang="en-US" dirty="0"/>
+          </a:p>
+        </p:txBody>
+      </p:sp>
+      <mc:AlternateContent xmlns:mc="http://schemas.openxmlformats.org/markup-compatibility/2006">
+        <mc:Choice xmlns:a14="http://schemas.microsoft.com/office/drawing/2010/main" Requires="a14">
+          <p:sp>
+            <p:nvSpPr>
+              <p:cNvPr id="6" name="Content Placeholder 2">
+                <a:extLst>
+                  <a:ext uri="{FF2B5EF4-FFF2-40B4-BE49-F238E27FC236}">
+                    <a16:creationId xmlns:a16="http://schemas.microsoft.com/office/drawing/2014/main" id="{2120C07F-1475-4946-5A76-5AF7CB9AA8F0}"/>
+                  </a:ext>
+                </a:extLst>
+              </p:cNvPr>
+              <p:cNvSpPr txBox="1">
+                <a:spLocks/>
+              </p:cNvSpPr>
+              <p:nvPr/>
+            </p:nvSpPr>
+            <p:spPr>
+              <a:xfrm>
+                <a:off x="990600" y="1516380"/>
+                <a:ext cx="10515600" cy="4812983"/>
+              </a:xfrm>
+              <a:prstGeom prst="rect">
+                <a:avLst/>
+              </a:prstGeom>
+            </p:spPr>
+            <p:txBody>
+              <a:bodyPr vert="horz" lIns="91440" tIns="45720" rIns="91440" bIns="45720" rtlCol="0">
+                <a:normAutofit lnSpcReduction="10000"/>
+              </a:bodyPr>
+              <a:lstStyle>
+                <a:lvl1pPr marL="0" indent="0" algn="l" defTabSz="914400" rtl="0" eaLnBrk="1" latinLnBrk="0" hangingPunct="1">
+                  <a:lnSpc>
+                    <a:spcPct val="125000"/>
+                  </a:lnSpc>
+                  <a:spcBef>
+                    <a:spcPts val="2400"/>
+                  </a:spcBef>
+                  <a:spcAft>
+                    <a:spcPts val="0"/>
+                  </a:spcAft>
+                  <a:buFont typeface="Arial" panose="020B0604020202020204" pitchFamily="34" charset="0"/>
+                  <a:buNone/>
+                  <a:tabLst/>
+                  <a:defRPr sz="2800" kern="1200">
+                    <a:solidFill>
+                      <a:schemeClr val="tx1"/>
+                    </a:solidFill>
+                    <a:latin typeface="Lato" panose="020F0502020204030203" pitchFamily="34" charset="77"/>
+                    <a:ea typeface="Inter" panose="02000503000000020004" pitchFamily="2" charset="0"/>
+                    <a:cs typeface="+mn-cs"/>
+                  </a:defRPr>
+                </a:lvl1pPr>
+                <a:lvl2pPr marL="133350" indent="0" algn="l" defTabSz="914400" rtl="0" eaLnBrk="1" latinLnBrk="0" hangingPunct="1">
+                  <a:lnSpc>
+                    <a:spcPct val="125000"/>
+                  </a:lnSpc>
+                  <a:spcBef>
+                    <a:spcPts val="2400"/>
+                  </a:spcBef>
+                  <a:spcAft>
+                    <a:spcPts val="0"/>
+                  </a:spcAft>
+                  <a:buFont typeface="Arial" panose="020B0604020202020204" pitchFamily="34" charset="0"/>
+                  <a:buNone/>
+                  <a:tabLst/>
+                  <a:defRPr sz="2800" kern="1200">
+                    <a:solidFill>
+                      <a:schemeClr val="tx1"/>
+                    </a:solidFill>
+                    <a:latin typeface="Lato" panose="020F0502020204030203" pitchFamily="34" charset="77"/>
+                    <a:ea typeface="Inter" panose="02000503000000020004" pitchFamily="2" charset="0"/>
+                    <a:cs typeface="+mn-cs"/>
+                  </a:defRPr>
+                </a:lvl2pPr>
+                <a:lvl3pPr marL="923925" indent="-346075" algn="l" defTabSz="914400" rtl="0" eaLnBrk="1" latinLnBrk="0" hangingPunct="1">
+                  <a:lnSpc>
+                    <a:spcPct val="125000"/>
+                  </a:lnSpc>
+                  <a:spcBef>
+                    <a:spcPts val="2400"/>
+                  </a:spcBef>
+                  <a:spcAft>
+                    <a:spcPts val="0"/>
+                  </a:spcAft>
+                  <a:buFont typeface="Arial" panose="020B0604020202020204" pitchFamily="34" charset="0"/>
+                  <a:buChar char="•"/>
+                  <a:tabLst/>
+                  <a:defRPr sz="2800" kern="1200">
+                    <a:solidFill>
+                      <a:schemeClr val="tx1"/>
+                    </a:solidFill>
+                    <a:latin typeface="Lato" panose="020F0502020204030203" pitchFamily="34" charset="77"/>
+                    <a:ea typeface="Inter" panose="02000503000000020004" pitchFamily="2" charset="0"/>
+                    <a:cs typeface="+mn-cs"/>
+                  </a:defRPr>
+                </a:lvl3pPr>
+                <a:lvl4pPr marL="1381125" indent="-346075" algn="l" defTabSz="914400" rtl="0" eaLnBrk="1" latinLnBrk="0" hangingPunct="1">
+                  <a:lnSpc>
+                    <a:spcPct val="125000"/>
+                  </a:lnSpc>
+                  <a:spcBef>
+                    <a:spcPts val="2400"/>
+                  </a:spcBef>
+                  <a:spcAft>
+                    <a:spcPts val="0"/>
+                  </a:spcAft>
+                  <a:buFont typeface="Arial" panose="020B0604020202020204" pitchFamily="34" charset="0"/>
+                  <a:buChar char="•"/>
+                  <a:tabLst/>
+                  <a:defRPr sz="2800" kern="1200">
+                    <a:solidFill>
+                      <a:schemeClr val="tx1"/>
+                    </a:solidFill>
+                    <a:latin typeface="Lato" panose="020F0502020204030203" pitchFamily="34" charset="77"/>
+                    <a:ea typeface="Inter" panose="02000503000000020004" pitchFamily="2" charset="0"/>
+                    <a:cs typeface="+mn-cs"/>
+                  </a:defRPr>
+                </a:lvl4pPr>
+                <a:lvl5pPr marL="1836738" indent="-344488" algn="l" defTabSz="914400" rtl="0" eaLnBrk="1" latinLnBrk="0" hangingPunct="1">
+                  <a:lnSpc>
+                    <a:spcPct val="125000"/>
+                  </a:lnSpc>
+                  <a:spcBef>
+                    <a:spcPts val="2400"/>
+                  </a:spcBef>
+                  <a:spcAft>
+                    <a:spcPts val="0"/>
+                  </a:spcAft>
+                  <a:buFont typeface="Arial" panose="020B0604020202020204" pitchFamily="34" charset="0"/>
+                  <a:buChar char="•"/>
+                  <a:tabLst/>
+                  <a:defRPr sz="2800" kern="1200">
+                    <a:solidFill>
+                      <a:schemeClr val="tx1"/>
+                    </a:solidFill>
+                    <a:latin typeface="Lato" panose="020F0502020204030203" pitchFamily="34" charset="77"/>
+                    <a:ea typeface="Inter" panose="02000503000000020004" pitchFamily="2" charset="0"/>
+                    <a:cs typeface="+mn-cs"/>
+                  </a:defRPr>
+                </a:lvl5pPr>
+                <a:lvl6pPr marL="2514600" indent="-228600" algn="l" defTabSz="914400" rtl="0" eaLnBrk="1" latinLnBrk="0" hangingPunct="1">
+                  <a:lnSpc>
+                    <a:spcPct val="90000"/>
+                  </a:lnSpc>
+                  <a:spcBef>
+                    <a:spcPts val="500"/>
+                  </a:spcBef>
+                  <a:buFont typeface="Arial" panose="020B0604020202020204" pitchFamily="34" charset="0"/>
+                  <a:buChar char="•"/>
+                  <a:defRPr sz="1800" kern="1200">
+                    <a:solidFill>
+                      <a:schemeClr val="tx1"/>
+                    </a:solidFill>
+                    <a:latin typeface="+mn-lt"/>
+                    <a:ea typeface="+mn-ea"/>
+                    <a:cs typeface="+mn-cs"/>
+                  </a:defRPr>
+                </a:lvl6pPr>
+                <a:lvl7pPr marL="2971800" indent="-228600" algn="l" defTabSz="914400" rtl="0" eaLnBrk="1" latinLnBrk="0" hangingPunct="1">
+                  <a:lnSpc>
+                    <a:spcPct val="90000"/>
+                  </a:lnSpc>
+                  <a:spcBef>
+                    <a:spcPts val="500"/>
+                  </a:spcBef>
+                  <a:buFont typeface="Arial" panose="020B0604020202020204" pitchFamily="34" charset="0"/>
+                  <a:buChar char="•"/>
+                  <a:defRPr sz="1800" kern="1200">
+                    <a:solidFill>
+                      <a:schemeClr val="tx1"/>
+                    </a:solidFill>
+                    <a:latin typeface="+mn-lt"/>
+                    <a:ea typeface="+mn-ea"/>
+                    <a:cs typeface="+mn-cs"/>
+                  </a:defRPr>
+                </a:lvl7pPr>
+                <a:lvl8pPr marL="3429000" indent="-228600" algn="l" defTabSz="914400" rtl="0" eaLnBrk="1" latinLnBrk="0" hangingPunct="1">
+                  <a:lnSpc>
+                    <a:spcPct val="90000"/>
+                  </a:lnSpc>
+                  <a:spcBef>
+                    <a:spcPts val="500"/>
+                  </a:spcBef>
+                  <a:buFont typeface="Arial" panose="020B0604020202020204" pitchFamily="34" charset="0"/>
+                  <a:buChar char="•"/>
+                  <a:defRPr sz="1800" kern="1200">
+                    <a:solidFill>
+                      <a:schemeClr val="tx1"/>
+                    </a:solidFill>
+                    <a:latin typeface="+mn-lt"/>
+                    <a:ea typeface="+mn-ea"/>
+                    <a:cs typeface="+mn-cs"/>
+                  </a:defRPr>
+                </a:lvl8pPr>
+                <a:lvl9pPr marL="3886200" indent="-228600" algn="l" defTabSz="914400" rtl="0" eaLnBrk="1" latinLnBrk="0" hangingPunct="1">
+                  <a:lnSpc>
+                    <a:spcPct val="90000"/>
+                  </a:lnSpc>
+                  <a:spcBef>
+                    <a:spcPts val="500"/>
+                  </a:spcBef>
+                  <a:buFont typeface="Arial" panose="020B0604020202020204" pitchFamily="34" charset="0"/>
+                  <a:buChar char="•"/>
+                  <a:defRPr sz="1800" kern="1200">
+                    <a:solidFill>
+                      <a:schemeClr val="tx1"/>
+                    </a:solidFill>
+                    <a:latin typeface="+mn-lt"/>
+                    <a:ea typeface="+mn-ea"/>
+                    <a:cs typeface="+mn-cs"/>
+                  </a:defRPr>
+                </a:lvl9pPr>
+              </a:lstStyle>
+              <a:p>
+                <a:pPr marL="457200" indent="-457200">
+                  <a:buFont typeface="Arial" panose="020B0604020202020204" pitchFamily="34" charset="0"/>
+                  <a:buChar char="•"/>
+                </a:pPr>
+                <a14:m>
+                  <m:oMath xmlns:m="http://schemas.openxmlformats.org/officeDocument/2006/math">
+                    <m:r>
+                      <a:rPr lang="en-US" smtClean="0">
+                        <a:latin typeface="Cambria Math" panose="02040503050406030204" pitchFamily="18" charset="0"/>
+                      </a:rPr>
+                      <m:t>10</m:t>
+                    </m:r>
+                    <m:r>
+                      <a:rPr lang="en-US" i="1">
+                        <a:latin typeface="Cambria Math"/>
+                      </a:rPr>
+                      <m:t>𝑛</m:t>
+                    </m:r>
+                    <m:r>
+                      <a:rPr lang="en-US" i="1">
+                        <a:latin typeface="Cambria Math" panose="02040503050406030204" pitchFamily="18" charset="0"/>
+                      </a:rPr>
+                      <m:t>+100</m:t>
+                    </m:r>
+                    <m:r>
+                      <a:rPr lang="en-US" i="1">
+                        <a:latin typeface="Cambria Math"/>
+                      </a:rPr>
+                      <m:t>∈</m:t>
+                    </m:r>
+                    <m:r>
+                      <a:rPr lang="en-US" i="1">
+                        <a:latin typeface="Cambria Math"/>
+                      </a:rPr>
+                      <m:t>𝑂</m:t>
+                    </m:r>
+                    <m:d>
+                      <m:dPr>
+                        <m:ctrlPr>
+                          <a:rPr lang="en-US" i="1">
+                            <a:latin typeface="Cambria Math" panose="02040503050406030204" pitchFamily="18" charset="0"/>
+                          </a:rPr>
+                        </m:ctrlPr>
+                      </m:dPr>
+                      <m:e>
+                        <m:sSup>
+                          <m:sSupPr>
+                            <m:ctrlPr>
+                              <a:rPr lang="en-US" i="1">
+                                <a:latin typeface="Cambria Math" panose="02040503050406030204" pitchFamily="18" charset="0"/>
+                              </a:rPr>
+                            </m:ctrlPr>
+                          </m:sSupPr>
+                          <m:e>
+                            <m:r>
+                              <a:rPr lang="en-US" i="1">
+                                <a:latin typeface="Cambria Math"/>
+                              </a:rPr>
+                              <m:t>𝑛</m:t>
+                            </m:r>
+                          </m:e>
+                          <m:sup>
+                            <m:r>
+                              <a:rPr lang="en-US" i="1">
+                                <a:latin typeface="Cambria Math"/>
+                              </a:rPr>
+                              <m:t>2</m:t>
+                            </m:r>
+                          </m:sup>
+                        </m:sSup>
+                      </m:e>
+                    </m:d>
+                  </m:oMath>
+                </a14:m>
+                <a:endParaRPr lang="en-US" dirty="0"/>
+              </a:p>
+              <a:p>
+                <a:pPr marL="1381125" lvl="2" indent="-457200"/>
+                <a:r>
+                  <a:rPr lang="en-US" dirty="0"/>
+                  <a:t>After </a:t>
+                </a:r>
+                <a14:m>
+                  <m:oMath xmlns:m="http://schemas.openxmlformats.org/officeDocument/2006/math">
+                    <m:sSub>
+                      <m:sSubPr>
+                        <m:ctrlPr>
+                          <a:rPr lang="en-US" b="0" i="1" smtClean="0">
+                            <a:latin typeface="Cambria Math" panose="02040503050406030204" pitchFamily="18" charset="0"/>
+                          </a:rPr>
+                        </m:ctrlPr>
+                      </m:sSubPr>
+                      <m:e>
+                        <m:r>
+                          <a:rPr lang="en-US" b="0" i="1" smtClean="0">
+                            <a:latin typeface="Cambria Math" panose="02040503050406030204" pitchFamily="18" charset="0"/>
+                          </a:rPr>
+                          <m:t>𝑛</m:t>
+                        </m:r>
+                      </m:e>
+                      <m:sub>
+                        <m:r>
+                          <a:rPr lang="en-US" b="0" i="1" smtClean="0">
+                            <a:latin typeface="Cambria Math" panose="02040503050406030204" pitchFamily="18" charset="0"/>
+                          </a:rPr>
+                          <m:t>0</m:t>
+                        </m:r>
+                      </m:sub>
+                    </m:sSub>
+                    <m:r>
+                      <a:rPr lang="en-US" b="0" i="1" smtClean="0">
+                        <a:latin typeface="Cambria Math" panose="02040503050406030204" pitchFamily="18" charset="0"/>
+                      </a:rPr>
+                      <m:t>=101</m:t>
+                    </m:r>
+                  </m:oMath>
+                </a14:m>
+                <a:r>
+                  <a:rPr lang="en-US" dirty="0"/>
+                  <a:t> with </a:t>
+                </a:r>
+                <a14:m>
+                  <m:oMath xmlns:m="http://schemas.openxmlformats.org/officeDocument/2006/math">
+                    <m:r>
+                      <a:rPr lang="en-US" b="0" i="1" smtClean="0">
+                        <a:latin typeface="Cambria Math" panose="02040503050406030204" pitchFamily="18" charset="0"/>
+                      </a:rPr>
+                      <m:t>𝑐</m:t>
+                    </m:r>
+                    <m:r>
+                      <a:rPr lang="en-US" b="0" i="1" smtClean="0">
+                        <a:latin typeface="Cambria Math" panose="02040503050406030204" pitchFamily="18" charset="0"/>
+                      </a:rPr>
+                      <m:t>=1</m:t>
+                    </m:r>
+                  </m:oMath>
+                </a14:m>
+                <a:r>
+                  <a:rPr lang="en-US" dirty="0"/>
+                  <a:t> we have </a:t>
+                </a:r>
+                <a14:m>
+                  <m:oMath xmlns:m="http://schemas.openxmlformats.org/officeDocument/2006/math">
+                    <m:r>
+                      <a:rPr lang="en-US" b="0" i="1" smtClean="0">
+                        <a:latin typeface="Cambria Math" panose="02040503050406030204" pitchFamily="18" charset="0"/>
+                      </a:rPr>
+                      <m:t>10</m:t>
+                    </m:r>
+                    <m:r>
+                      <a:rPr lang="en-US" b="0" i="1" smtClean="0">
+                        <a:latin typeface="Cambria Math" panose="02040503050406030204" pitchFamily="18" charset="0"/>
+                      </a:rPr>
+                      <m:t>𝑛</m:t>
+                    </m:r>
+                    <m:r>
+                      <a:rPr lang="en-US" b="0" i="1" smtClean="0">
+                        <a:latin typeface="Cambria Math" panose="02040503050406030204" pitchFamily="18" charset="0"/>
+                      </a:rPr>
+                      <m:t>+100≤</m:t>
+                    </m:r>
+                    <m:r>
+                      <a:rPr lang="en-US" b="0" i="1" smtClean="0">
+                        <a:latin typeface="Cambria Math" panose="02040503050406030204" pitchFamily="18" charset="0"/>
+                      </a:rPr>
+                      <m:t>𝑐</m:t>
+                    </m:r>
+                    <m:sSup>
+                      <m:sSupPr>
+                        <m:ctrlPr>
+                          <a:rPr lang="en-US" b="0" i="1" smtClean="0">
+                            <a:latin typeface="Cambria Math" panose="02040503050406030204" pitchFamily="18" charset="0"/>
+                          </a:rPr>
+                        </m:ctrlPr>
+                      </m:sSupPr>
+                      <m:e>
+                        <m:r>
+                          <a:rPr lang="en-US" b="0" i="1" smtClean="0">
+                            <a:latin typeface="Cambria Math" panose="02040503050406030204" pitchFamily="18" charset="0"/>
+                          </a:rPr>
+                          <m:t>𝑛</m:t>
+                        </m:r>
+                      </m:e>
+                      <m:sup>
+                        <m:r>
+                          <a:rPr lang="en-US" b="0" i="1" smtClean="0">
+                            <a:latin typeface="Cambria Math" panose="02040503050406030204" pitchFamily="18" charset="0"/>
+                          </a:rPr>
+                          <m:t>2</m:t>
+                        </m:r>
+                      </m:sup>
+                    </m:sSup>
+                  </m:oMath>
+                </a14:m>
+                <a:endParaRPr lang="en-US" dirty="0"/>
+              </a:p>
+              <a:p>
+                <a:pPr marL="457200" indent="-457200">
+                  <a:buFont typeface="Arial" panose="020B0604020202020204" pitchFamily="34" charset="0"/>
+                  <a:buChar char="•"/>
+                </a:pPr>
+                <a:r>
+                  <a:rPr lang="en-US" dirty="0"/>
+                  <a:t> </a:t>
+                </a:r>
+                <a14:m>
+                  <m:oMath xmlns:m="http://schemas.openxmlformats.org/officeDocument/2006/math">
+                    <m:r>
+                      <a:rPr lang="en-US" i="1">
+                        <a:latin typeface="Cambria Math" panose="02040503050406030204" pitchFamily="18" charset="0"/>
+                      </a:rPr>
+                      <m:t>13</m:t>
+                    </m:r>
+                    <m:sSup>
+                      <m:sSupPr>
+                        <m:ctrlPr>
+                          <a:rPr lang="en-US" i="1">
+                            <a:latin typeface="Cambria Math" panose="02040503050406030204" pitchFamily="18" charset="0"/>
+                          </a:rPr>
+                        </m:ctrlPr>
+                      </m:sSupPr>
+                      <m:e>
+                        <m:r>
+                          <a:rPr lang="en-US" i="1">
+                            <a:latin typeface="Cambria Math" panose="02040503050406030204" pitchFamily="18" charset="0"/>
+                          </a:rPr>
+                          <m:t>𝑛</m:t>
+                        </m:r>
+                      </m:e>
+                      <m:sup>
+                        <m:r>
+                          <a:rPr lang="en-US" i="1">
+                            <a:latin typeface="Cambria Math" panose="02040503050406030204" pitchFamily="18" charset="0"/>
+                          </a:rPr>
+                          <m:t>2</m:t>
+                        </m:r>
+                      </m:sup>
+                    </m:sSup>
+                    <m:r>
+                      <a:rPr lang="en-US" i="1">
+                        <a:latin typeface="Cambria Math" panose="02040503050406030204" pitchFamily="18" charset="0"/>
+                      </a:rPr>
+                      <m:t>−50</m:t>
+                    </m:r>
+                    <m:r>
+                      <a:rPr lang="en-US" i="1">
+                        <a:latin typeface="Cambria Math" panose="02040503050406030204" pitchFamily="18" charset="0"/>
+                      </a:rPr>
+                      <m:t>𝑛</m:t>
+                    </m:r>
+                    <m:r>
+                      <a:rPr lang="en-US" i="1">
+                        <a:latin typeface="Cambria Math"/>
+                      </a:rPr>
+                      <m:t>∈</m:t>
+                    </m:r>
+                    <m:r>
+                      <a:rPr lang="en-US" i="1">
+                        <a:latin typeface="Cambria Math" panose="02040503050406030204" pitchFamily="18" charset="0"/>
+                      </a:rPr>
+                      <m:t>𝛺</m:t>
+                    </m:r>
+                    <m:d>
+                      <m:dPr>
+                        <m:ctrlPr>
+                          <a:rPr lang="en-US" i="1">
+                            <a:latin typeface="Cambria Math" panose="02040503050406030204" pitchFamily="18" charset="0"/>
+                          </a:rPr>
+                        </m:ctrlPr>
+                      </m:dPr>
+                      <m:e>
+                        <m:sSup>
+                          <m:sSupPr>
+                            <m:ctrlPr>
+                              <a:rPr lang="en-US" i="1">
+                                <a:latin typeface="Cambria Math" panose="02040503050406030204" pitchFamily="18" charset="0"/>
+                              </a:rPr>
+                            </m:ctrlPr>
+                          </m:sSupPr>
+                          <m:e>
+                            <m:r>
+                              <a:rPr lang="en-US" i="1">
+                                <a:latin typeface="Cambria Math"/>
+                              </a:rPr>
+                              <m:t>𝑛</m:t>
+                            </m:r>
+                          </m:e>
+                          <m:sup>
+                            <m:r>
+                              <a:rPr lang="en-US" i="1">
+                                <a:latin typeface="Cambria Math"/>
+                              </a:rPr>
+                              <m:t>2</m:t>
+                            </m:r>
+                          </m:sup>
+                        </m:sSup>
+                      </m:e>
+                    </m:d>
+                  </m:oMath>
+                </a14:m>
+                <a:endParaRPr lang="en-US" i="1" dirty="0"/>
+              </a:p>
+              <a:p>
+                <a:pPr marL="1381125" lvl="2" indent="-457200"/>
+                <a:r>
+                  <a:rPr lang="en-US" dirty="0"/>
+                  <a:t>After </a:t>
+                </a:r>
+                <a14:m>
+                  <m:oMath xmlns:m="http://schemas.openxmlformats.org/officeDocument/2006/math">
+                    <m:sSub>
+                      <m:sSubPr>
+                        <m:ctrlPr>
+                          <a:rPr lang="en-US" i="1">
+                            <a:latin typeface="Cambria Math" panose="02040503050406030204" pitchFamily="18" charset="0"/>
+                          </a:rPr>
+                        </m:ctrlPr>
+                      </m:sSubPr>
+                      <m:e>
+                        <m:r>
+                          <a:rPr lang="en-US" i="1">
+                            <a:latin typeface="Cambria Math" panose="02040503050406030204" pitchFamily="18" charset="0"/>
+                          </a:rPr>
+                          <m:t>𝑛</m:t>
+                        </m:r>
+                      </m:e>
+                      <m:sub>
+                        <m:r>
+                          <a:rPr lang="en-US" i="1">
+                            <a:latin typeface="Cambria Math" panose="02040503050406030204" pitchFamily="18" charset="0"/>
+                          </a:rPr>
+                          <m:t>0</m:t>
+                        </m:r>
+                      </m:sub>
+                    </m:sSub>
+                    <m:r>
+                      <a:rPr lang="en-US" i="1">
+                        <a:latin typeface="Cambria Math" panose="02040503050406030204" pitchFamily="18" charset="0"/>
+                      </a:rPr>
+                      <m:t>=</m:t>
+                    </m:r>
+                    <m:r>
+                      <a:rPr lang="en-US" b="0" i="1" smtClean="0">
+                        <a:latin typeface="Cambria Math" panose="02040503050406030204" pitchFamily="18" charset="0"/>
+                      </a:rPr>
+                      <m:t>100</m:t>
+                    </m:r>
+                  </m:oMath>
+                </a14:m>
+                <a:r>
+                  <a:rPr lang="en-US" dirty="0"/>
+                  <a:t> with </a:t>
+                </a:r>
+                <a14:m>
+                  <m:oMath xmlns:m="http://schemas.openxmlformats.org/officeDocument/2006/math">
+                    <m:r>
+                      <a:rPr lang="en-US" i="1">
+                        <a:latin typeface="Cambria Math" panose="02040503050406030204" pitchFamily="18" charset="0"/>
+                      </a:rPr>
+                      <m:t>𝑐</m:t>
+                    </m:r>
+                    <m:r>
+                      <a:rPr lang="en-US" i="1">
+                        <a:latin typeface="Cambria Math" panose="02040503050406030204" pitchFamily="18" charset="0"/>
+                      </a:rPr>
+                      <m:t>=</m:t>
+                    </m:r>
+                    <m:f>
+                      <m:fPr>
+                        <m:ctrlPr>
+                          <a:rPr lang="en-US" b="0" i="1" smtClean="0">
+                            <a:latin typeface="Cambria Math" panose="02040503050406030204" pitchFamily="18" charset="0"/>
+                          </a:rPr>
+                        </m:ctrlPr>
+                      </m:fPr>
+                      <m:num>
+                        <m:r>
+                          <a:rPr lang="en-US" b="0" i="1" smtClean="0">
+                            <a:latin typeface="Cambria Math" panose="02040503050406030204" pitchFamily="18" charset="0"/>
+                          </a:rPr>
+                          <m:t>1</m:t>
+                        </m:r>
+                      </m:num>
+                      <m:den>
+                        <m:r>
+                          <a:rPr lang="en-US" b="0" i="1" smtClean="0">
+                            <a:latin typeface="Cambria Math" panose="02040503050406030204" pitchFamily="18" charset="0"/>
+                          </a:rPr>
+                          <m:t>2</m:t>
+                        </m:r>
+                      </m:den>
+                    </m:f>
+                  </m:oMath>
+                </a14:m>
+                <a:r>
+                  <a:rPr lang="en-US" dirty="0"/>
+                  <a:t> we have </a:t>
+                </a:r>
+                <a14:m>
+                  <m:oMath xmlns:m="http://schemas.openxmlformats.org/officeDocument/2006/math">
+                    <m:r>
+                      <a:rPr lang="en-US" b="0" i="1" smtClean="0">
+                        <a:latin typeface="Cambria Math" panose="02040503050406030204" pitchFamily="18" charset="0"/>
+                      </a:rPr>
+                      <m:t>13</m:t>
+                    </m:r>
+                    <m:sSup>
+                      <m:sSupPr>
+                        <m:ctrlPr>
+                          <a:rPr lang="en-US" b="0" i="1" smtClean="0">
+                            <a:latin typeface="Cambria Math" panose="02040503050406030204" pitchFamily="18" charset="0"/>
+                          </a:rPr>
+                        </m:ctrlPr>
+                      </m:sSupPr>
+                      <m:e>
+                        <m:r>
+                          <a:rPr lang="en-US" b="0" i="1" smtClean="0">
+                            <a:latin typeface="Cambria Math" panose="02040503050406030204" pitchFamily="18" charset="0"/>
+                          </a:rPr>
+                          <m:t>𝑛</m:t>
+                        </m:r>
+                      </m:e>
+                      <m:sup>
+                        <m:r>
+                          <a:rPr lang="en-US" b="0" i="1" smtClean="0">
+                            <a:latin typeface="Cambria Math" panose="02040503050406030204" pitchFamily="18" charset="0"/>
+                          </a:rPr>
+                          <m:t>2</m:t>
+                        </m:r>
+                      </m:sup>
+                    </m:sSup>
+                    <m:r>
+                      <a:rPr lang="en-US" b="0" i="1" smtClean="0">
+                        <a:latin typeface="Cambria Math" panose="02040503050406030204" pitchFamily="18" charset="0"/>
+                      </a:rPr>
+                      <m:t>−50</m:t>
+                    </m:r>
+                    <m:r>
+                      <a:rPr lang="en-US" b="0" i="1" smtClean="0">
+                        <a:latin typeface="Cambria Math" panose="02040503050406030204" pitchFamily="18" charset="0"/>
+                      </a:rPr>
+                      <m:t>𝑛</m:t>
+                    </m:r>
+                    <m:r>
+                      <a:rPr lang="en-US" b="0" i="1" smtClean="0">
+                        <a:latin typeface="Cambria Math" panose="02040503050406030204" pitchFamily="18" charset="0"/>
+                      </a:rPr>
+                      <m:t>≥</m:t>
+                    </m:r>
+                    <m:r>
+                      <a:rPr lang="en-US" i="1">
+                        <a:latin typeface="Cambria Math" panose="02040503050406030204" pitchFamily="18" charset="0"/>
+                      </a:rPr>
+                      <m:t>𝑐</m:t>
+                    </m:r>
+                    <m:sSup>
+                      <m:sSupPr>
+                        <m:ctrlPr>
+                          <a:rPr lang="en-US" i="1">
+                            <a:latin typeface="Cambria Math" panose="02040503050406030204" pitchFamily="18" charset="0"/>
+                          </a:rPr>
+                        </m:ctrlPr>
+                      </m:sSupPr>
+                      <m:e>
+                        <m:r>
+                          <a:rPr lang="en-US" i="1">
+                            <a:latin typeface="Cambria Math" panose="02040503050406030204" pitchFamily="18" charset="0"/>
+                          </a:rPr>
+                          <m:t>𝑛</m:t>
+                        </m:r>
+                      </m:e>
+                      <m:sup>
+                        <m:r>
+                          <a:rPr lang="en-US" i="1">
+                            <a:latin typeface="Cambria Math" panose="02040503050406030204" pitchFamily="18" charset="0"/>
+                          </a:rPr>
+                          <m:t>2</m:t>
+                        </m:r>
+                      </m:sup>
+                    </m:sSup>
+                  </m:oMath>
+                </a14:m>
+                <a:endParaRPr lang="en-US" dirty="0"/>
+              </a:p>
+              <a:p>
+                <a:pPr marL="457200" indent="-457200">
+                  <a:buFont typeface="Arial" panose="020B0604020202020204" pitchFamily="34" charset="0"/>
+                  <a:buChar char="•"/>
+                </a:pPr>
+                <a14:m>
+                  <m:oMath xmlns:m="http://schemas.openxmlformats.org/officeDocument/2006/math">
+                    <m:sSup>
+                      <m:sSupPr>
+                        <m:ctrlPr>
+                          <a:rPr lang="en-US" i="1">
+                            <a:latin typeface="Cambria Math" panose="02040503050406030204" pitchFamily="18" charset="0"/>
+                          </a:rPr>
+                        </m:ctrlPr>
+                      </m:sSupPr>
+                      <m:e>
+                        <m:r>
+                          <a:rPr lang="en-US" i="1">
+                            <a:latin typeface="Cambria Math" panose="02040503050406030204" pitchFamily="18" charset="0"/>
+                          </a:rPr>
+                          <m:t>𝑛</m:t>
+                        </m:r>
+                      </m:e>
+                      <m:sup>
+                        <m:r>
+                          <a:rPr lang="en-US" i="1">
+                            <a:latin typeface="Cambria Math" panose="02040503050406030204" pitchFamily="18" charset="0"/>
+                          </a:rPr>
+                          <m:t>2</m:t>
+                        </m:r>
+                      </m:sup>
+                    </m:sSup>
+                    <m:r>
+                      <a:rPr lang="en-US" i="1">
+                        <a:latin typeface="Cambria Math" panose="02040503050406030204" pitchFamily="18" charset="0"/>
+                      </a:rPr>
+                      <m:t>+3</m:t>
+                    </m:r>
+                    <m:r>
+                      <a:rPr lang="en-US" i="1">
+                        <a:latin typeface="Cambria Math" panose="02040503050406030204" pitchFamily="18" charset="0"/>
+                      </a:rPr>
+                      <m:t>𝑛</m:t>
+                    </m:r>
+                    <m:r>
+                      <a:rPr lang="en-US" b="0" i="1" smtClean="0">
+                        <a:latin typeface="Cambria Math" panose="02040503050406030204" pitchFamily="18" charset="0"/>
+                      </a:rPr>
+                      <m:t>∈</m:t>
+                    </m:r>
+                    <m:r>
+                      <a:rPr lang="en-US" i="1">
+                        <a:latin typeface="Cambria Math" panose="02040503050406030204" pitchFamily="18" charset="0"/>
+                      </a:rPr>
+                      <m:t>𝑂</m:t>
+                    </m:r>
+                    <m:d>
+                      <m:dPr>
+                        <m:ctrlPr>
+                          <a:rPr lang="en-US" i="1">
+                            <a:latin typeface="Cambria Math" panose="02040503050406030204" pitchFamily="18" charset="0"/>
+                          </a:rPr>
+                        </m:ctrlPr>
+                      </m:dPr>
+                      <m:e>
+                        <m:r>
+                          <a:rPr lang="en-US" i="1">
+                            <a:latin typeface="Cambria Math" panose="02040503050406030204" pitchFamily="18" charset="0"/>
+                          </a:rPr>
+                          <m:t>4</m:t>
+                        </m:r>
+                        <m:sSup>
+                          <m:sSupPr>
+                            <m:ctrlPr>
+                              <a:rPr lang="en-US" i="1">
+                                <a:latin typeface="Cambria Math" panose="02040503050406030204" pitchFamily="18" charset="0"/>
+                              </a:rPr>
+                            </m:ctrlPr>
+                          </m:sSupPr>
+                          <m:e>
+                            <m:r>
+                              <a:rPr lang="en-US" i="1">
+                                <a:latin typeface="Cambria Math" panose="02040503050406030204" pitchFamily="18" charset="0"/>
+                              </a:rPr>
+                              <m:t>𝑛</m:t>
+                            </m:r>
+                          </m:e>
+                          <m:sup>
+                            <m:r>
+                              <a:rPr lang="en-US" i="1">
+                                <a:latin typeface="Cambria Math" panose="02040503050406030204" pitchFamily="18" charset="0"/>
+                              </a:rPr>
+                              <m:t>3</m:t>
+                            </m:r>
+                          </m:sup>
+                        </m:sSup>
+                      </m:e>
+                    </m:d>
+                  </m:oMath>
+                </a14:m>
+                <a:endParaRPr lang="en-US" dirty="0"/>
+              </a:p>
+              <a:p>
+                <a:pPr marL="1381125" lvl="2" indent="-457200"/>
+                <a:r>
+                  <a:rPr lang="en-US" dirty="0"/>
+                  <a:t>After </a:t>
+                </a:r>
+                <a14:m>
+                  <m:oMath xmlns:m="http://schemas.openxmlformats.org/officeDocument/2006/math">
+                    <m:sSub>
+                      <m:sSubPr>
+                        <m:ctrlPr>
+                          <a:rPr lang="en-US" i="1">
+                            <a:latin typeface="Cambria Math" panose="02040503050406030204" pitchFamily="18" charset="0"/>
+                          </a:rPr>
+                        </m:ctrlPr>
+                      </m:sSubPr>
+                      <m:e>
+                        <m:r>
+                          <a:rPr lang="en-US" i="1">
+                            <a:latin typeface="Cambria Math" panose="02040503050406030204" pitchFamily="18" charset="0"/>
+                          </a:rPr>
+                          <m:t>𝑛</m:t>
+                        </m:r>
+                      </m:e>
+                      <m:sub>
+                        <m:r>
+                          <a:rPr lang="en-US" i="1">
+                            <a:latin typeface="Cambria Math" panose="02040503050406030204" pitchFamily="18" charset="0"/>
+                          </a:rPr>
+                          <m:t>0</m:t>
+                        </m:r>
+                      </m:sub>
+                    </m:sSub>
+                    <m:r>
+                      <a:rPr lang="en-US" i="1">
+                        <a:latin typeface="Cambria Math" panose="02040503050406030204" pitchFamily="18" charset="0"/>
+                      </a:rPr>
+                      <m:t>=</m:t>
+                    </m:r>
+                    <m:r>
+                      <a:rPr lang="en-US" b="0" i="1" smtClean="0">
+                        <a:latin typeface="Cambria Math" panose="02040503050406030204" pitchFamily="18" charset="0"/>
+                      </a:rPr>
+                      <m:t>1</m:t>
+                    </m:r>
+                  </m:oMath>
+                </a14:m>
+                <a:r>
+                  <a:rPr lang="en-US" dirty="0"/>
+                  <a:t> with </a:t>
+                </a:r>
+                <a14:m>
+                  <m:oMath xmlns:m="http://schemas.openxmlformats.org/officeDocument/2006/math">
+                    <m:r>
+                      <a:rPr lang="en-US" i="1">
+                        <a:latin typeface="Cambria Math" panose="02040503050406030204" pitchFamily="18" charset="0"/>
+                      </a:rPr>
+                      <m:t>𝑐</m:t>
+                    </m:r>
+                    <m:r>
+                      <a:rPr lang="en-US" i="1">
+                        <a:latin typeface="Cambria Math" panose="02040503050406030204" pitchFamily="18" charset="0"/>
+                      </a:rPr>
+                      <m:t>=1</m:t>
+                    </m:r>
+                  </m:oMath>
+                </a14:m>
+                <a:r>
+                  <a:rPr lang="en-US" dirty="0"/>
+                  <a:t> we have </a:t>
+                </a:r>
+                <a14:m>
+                  <m:oMath xmlns:m="http://schemas.openxmlformats.org/officeDocument/2006/math">
+                    <m:sSup>
+                      <m:sSupPr>
+                        <m:ctrlPr>
+                          <a:rPr lang="en-US" b="0" i="1" smtClean="0">
+                            <a:latin typeface="Cambria Math" panose="02040503050406030204" pitchFamily="18" charset="0"/>
+                          </a:rPr>
+                        </m:ctrlPr>
+                      </m:sSupPr>
+                      <m:e>
+                        <m:r>
+                          <a:rPr lang="en-US" i="1">
+                            <a:latin typeface="Cambria Math" panose="02040503050406030204" pitchFamily="18" charset="0"/>
+                          </a:rPr>
+                          <m:t>𝑛</m:t>
+                        </m:r>
+                      </m:e>
+                      <m:sup>
+                        <m:r>
+                          <a:rPr lang="en-US" b="0" i="1" smtClean="0">
+                            <a:latin typeface="Cambria Math" panose="02040503050406030204" pitchFamily="18" charset="0"/>
+                          </a:rPr>
+                          <m:t>2</m:t>
+                        </m:r>
+                      </m:sup>
+                    </m:sSup>
+                    <m:r>
+                      <a:rPr lang="en-US" i="1">
+                        <a:latin typeface="Cambria Math" panose="02040503050406030204" pitchFamily="18" charset="0"/>
+                      </a:rPr>
+                      <m:t>+</m:t>
+                    </m:r>
+                    <m:r>
+                      <a:rPr lang="en-US" b="0" i="1" smtClean="0">
+                        <a:latin typeface="Cambria Math" panose="02040503050406030204" pitchFamily="18" charset="0"/>
+                      </a:rPr>
+                      <m:t>3</m:t>
+                    </m:r>
+                    <m:r>
+                      <a:rPr lang="en-US" b="0" i="1" smtClean="0">
+                        <a:latin typeface="Cambria Math" panose="02040503050406030204" pitchFamily="18" charset="0"/>
+                      </a:rPr>
+                      <m:t>𝑛</m:t>
+                    </m:r>
+                    <m:r>
+                      <a:rPr lang="en-US" i="1">
+                        <a:latin typeface="Cambria Math" panose="02040503050406030204" pitchFamily="18" charset="0"/>
+                      </a:rPr>
+                      <m:t>≤</m:t>
+                    </m:r>
+                    <m:r>
+                      <a:rPr lang="en-US" i="1">
+                        <a:latin typeface="Cambria Math" panose="02040503050406030204" pitchFamily="18" charset="0"/>
+                      </a:rPr>
+                      <m:t>𝑐</m:t>
+                    </m:r>
+                    <m:r>
+                      <a:rPr lang="en-US" b="0" i="1" smtClean="0">
+                        <a:latin typeface="Cambria Math" panose="02040503050406030204" pitchFamily="18" charset="0"/>
+                      </a:rPr>
+                      <m:t>4</m:t>
+                    </m:r>
+                    <m:sSup>
+                      <m:sSupPr>
+                        <m:ctrlPr>
+                          <a:rPr lang="en-US" i="1">
+                            <a:latin typeface="Cambria Math" panose="02040503050406030204" pitchFamily="18" charset="0"/>
+                          </a:rPr>
+                        </m:ctrlPr>
+                      </m:sSupPr>
+                      <m:e>
+                        <m:r>
+                          <a:rPr lang="en-US" i="1">
+                            <a:latin typeface="Cambria Math" panose="02040503050406030204" pitchFamily="18" charset="0"/>
+                          </a:rPr>
+                          <m:t>𝑛</m:t>
+                        </m:r>
+                      </m:e>
+                      <m:sup>
+                        <m:r>
+                          <a:rPr lang="en-US" b="0" i="1" smtClean="0">
+                            <a:latin typeface="Cambria Math" panose="02040503050406030204" pitchFamily="18" charset="0"/>
+                          </a:rPr>
+                          <m:t>3</m:t>
+                        </m:r>
+                      </m:sup>
+                    </m:sSup>
+                  </m:oMath>
+                </a14:m>
+                <a:endParaRPr lang="en-US" dirty="0"/>
+              </a:p>
+              <a:p>
+                <a:pPr marL="457200" indent="-457200">
+                  <a:buFont typeface="Arial" panose="020B0604020202020204" pitchFamily="34" charset="0"/>
+                  <a:buChar char="•"/>
+                </a:pPr>
+                <a:endParaRPr lang="en-US" dirty="0"/>
+              </a:p>
+            </p:txBody>
+          </p:sp>
+        </mc:Choice>
+        <mc:Fallback>
+          <p:sp>
+            <p:nvSpPr>
+              <p:cNvPr id="6" name="Content Placeholder 2">
+                <a:extLst>
+                  <a:ext uri="{FF2B5EF4-FFF2-40B4-BE49-F238E27FC236}">
+                    <a16:creationId xmlns:a16="http://schemas.microsoft.com/office/drawing/2014/main" id="{2120C07F-1475-4946-5A76-5AF7CB9AA8F0}"/>
+                  </a:ext>
+                </a:extLst>
+              </p:cNvPr>
+              <p:cNvSpPr txBox="1">
+                <a:spLocks noRot="1" noChangeAspect="1" noMove="1" noResize="1" noEditPoints="1" noAdjustHandles="1" noChangeArrowheads="1" noChangeShapeType="1" noTextEdit="1"/>
+              </p:cNvSpPr>
+              <p:nvPr/>
+            </p:nvSpPr>
+            <p:spPr>
+              <a:xfrm>
+                <a:off x="990600" y="1516380"/>
+                <a:ext cx="10515600" cy="4812983"/>
+              </a:xfrm>
+              <a:prstGeom prst="rect">
+                <a:avLst/>
+              </a:prstGeom>
+              <a:blipFill>
+                <a:blip r:embed="rId2"/>
+                <a:stretch>
+                  <a:fillRect l="-1043" b="-1521"/>
+                </a:stretch>
+              </a:blipFill>
+            </p:spPr>
+            <p:txBody>
+              <a:bodyPr/>
+              <a:lstStyle/>
+              <a:p>
+                <a:r>
+                  <a:rPr lang="en-US">
+                    <a:noFill/>
+                  </a:rPr>
+                  <a:t> </a:t>
+                </a:r>
+              </a:p>
+            </p:txBody>
+          </p:sp>
+        </mc:Fallback>
+      </mc:AlternateContent>
+    </p:spTree>
+    <p:extLst>
+      <p:ext uri="{BB962C8B-B14F-4D97-AF65-F5344CB8AC3E}">
+        <p14:creationId xmlns:p14="http://schemas.microsoft.com/office/powerpoint/2010/main" val="2119646943"/>
+      </p:ext>
+    </p:extLst>
+  </p:cSld>
+  <p:clrMapOvr>
+    <a:masterClrMapping/>
+  </p:clrMapOvr>
+</p:sld>
+</file>
+
+<file path=ppt/slides/slide18.xml><?xml version="1.0" encoding="utf-8"?>
+<p:sld xmlns:a="http://schemas.openxmlformats.org/drawingml/2006/main" xmlns:r="http://schemas.openxmlformats.org/officeDocument/2006/relationships" xmlns:p="http://schemas.openxmlformats.org/presentationml/2006/main">
+  <p:cSld>
+    <p:spTree>
+      <p:nvGrpSpPr>
+        <p:cNvPr id="1" name="">
+          <a:extLst>
+            <a:ext uri="{FF2B5EF4-FFF2-40B4-BE49-F238E27FC236}">
               <a16:creationId xmlns:a16="http://schemas.microsoft.com/office/drawing/2014/main" id="{577F6121-4055-2CF5-712F-252ECEDC3FB1}"/>
             </a:ext>
           </a:extLst>
@@ -6548,7 +7664,7 @@
 </p:sld>
 </file>
 
-<file path=ppt/slides/slide18.xml><?xml version="1.0" encoding="utf-8"?>
+<file path=ppt/slides/slide19.xml><?xml version="1.0" encoding="utf-8"?>
 <p:sld xmlns:a="http://schemas.openxmlformats.org/drawingml/2006/main" xmlns:r="http://schemas.openxmlformats.org/officeDocument/2006/relationships" xmlns:p="http://schemas.openxmlformats.org/presentationml/2006/main">
   <p:cSld>
     <p:spTree>
@@ -7216,7 +8332,100 @@
 </p:sld>
 </file>
 
-<file path=ppt/slides/slide19.xml><?xml version="1.0" encoding="utf-8"?>
+<file path=ppt/slides/slide2.xml><?xml version="1.0" encoding="utf-8"?>
+<p:sld xmlns:a="http://schemas.openxmlformats.org/drawingml/2006/main" xmlns:r="http://schemas.openxmlformats.org/officeDocument/2006/relationships" xmlns:p="http://schemas.openxmlformats.org/presentationml/2006/main">
+  <p:cSld>
+    <p:spTree>
+      <p:nvGrpSpPr>
+        <p:cNvPr id="1" name=""/>
+        <p:cNvGrpSpPr/>
+        <p:nvPr/>
+      </p:nvGrpSpPr>
+      <p:grpSpPr>
+        <a:xfrm>
+          <a:off x="0" y="0"/>
+          <a:ext cx="0" cy="0"/>
+          <a:chOff x="0" y="0"/>
+          <a:chExt cx="0" cy="0"/>
+        </a:xfrm>
+      </p:grpSpPr>
+      <p:sp>
+        <p:nvSpPr>
+          <p:cNvPr id="4" name="Title 3">
+            <a:extLst>
+              <a:ext uri="{FF2B5EF4-FFF2-40B4-BE49-F238E27FC236}">
+                <a16:creationId xmlns:a16="http://schemas.microsoft.com/office/drawing/2014/main" id="{9A173F86-C1EE-CFBD-CE21-D794521A4DAE}"/>
+              </a:ext>
+            </a:extLst>
+          </p:cNvPr>
+          <p:cNvSpPr>
+            <a:spLocks noGrp="1"/>
+          </p:cNvSpPr>
+          <p:nvPr>
+            <p:ph type="title"/>
+          </p:nvPr>
+        </p:nvSpPr>
+        <p:spPr/>
+        <p:txBody>
+          <a:bodyPr/>
+          <a:lstStyle/>
+          <a:p>
+            <a:r>
+              <a:rPr lang="en-US" dirty="0" err="1"/>
+              <a:t>Homeworks</a:t>
+            </a:r>
+            <a:endParaRPr lang="en-US" dirty="0"/>
+          </a:p>
+        </p:txBody>
+      </p:sp>
+      <p:sp>
+        <p:nvSpPr>
+          <p:cNvPr id="5" name="Content Placeholder 4">
+            <a:extLst>
+              <a:ext uri="{FF2B5EF4-FFF2-40B4-BE49-F238E27FC236}">
+                <a16:creationId xmlns:a16="http://schemas.microsoft.com/office/drawing/2014/main" id="{7A7E6C08-EE74-E030-67AC-051D61FE111E}"/>
+              </a:ext>
+            </a:extLst>
+          </p:cNvPr>
+          <p:cNvSpPr>
+            <a:spLocks noGrp="1"/>
+          </p:cNvSpPr>
+          <p:nvPr>
+            <p:ph idx="1"/>
+          </p:nvPr>
+        </p:nvSpPr>
+        <p:spPr/>
+        <p:txBody>
+          <a:bodyPr/>
+          <a:lstStyle/>
+          <a:p>
+            <a:r>
+              <a:rPr lang="en-US" dirty="0"/>
+              <a:t>HW 1 due today at 11:59pm.</a:t>
+            </a:r>
+          </a:p>
+          <a:p>
+            <a:r>
+              <a:rPr lang="en-US" dirty="0"/>
+              <a:t>HW 2 out today at 11:30am.</a:t>
+            </a:r>
+          </a:p>
+        </p:txBody>
+      </p:sp>
+    </p:spTree>
+    <p:extLst>
+      <p:ext uri="{BB962C8B-B14F-4D97-AF65-F5344CB8AC3E}">
+        <p14:creationId xmlns:p14="http://schemas.microsoft.com/office/powerpoint/2010/main" val="4162376793"/>
+      </p:ext>
+    </p:extLst>
+  </p:cSld>
+  <p:clrMapOvr>
+    <a:masterClrMapping/>
+  </p:clrMapOvr>
+</p:sld>
+</file>
+
+<file path=ppt/slides/slide20.xml><?xml version="1.0" encoding="utf-8"?>
 <p:sld xmlns:a="http://schemas.openxmlformats.org/drawingml/2006/main" xmlns:r="http://schemas.openxmlformats.org/officeDocument/2006/relationships" xmlns:p="http://schemas.openxmlformats.org/presentationml/2006/main">
   <p:cSld>
     <p:spTree>
@@ -7474,100 +8683,7 @@
 </p:sld>
 </file>
 
-<file path=ppt/slides/slide2.xml><?xml version="1.0" encoding="utf-8"?>
-<p:sld xmlns:a="http://schemas.openxmlformats.org/drawingml/2006/main" xmlns:r="http://schemas.openxmlformats.org/officeDocument/2006/relationships" xmlns:p="http://schemas.openxmlformats.org/presentationml/2006/main">
-  <p:cSld>
-    <p:spTree>
-      <p:nvGrpSpPr>
-        <p:cNvPr id="1" name=""/>
-        <p:cNvGrpSpPr/>
-        <p:nvPr/>
-      </p:nvGrpSpPr>
-      <p:grpSpPr>
-        <a:xfrm>
-          <a:off x="0" y="0"/>
-          <a:ext cx="0" cy="0"/>
-          <a:chOff x="0" y="0"/>
-          <a:chExt cx="0" cy="0"/>
-        </a:xfrm>
-      </p:grpSpPr>
-      <p:sp>
-        <p:nvSpPr>
-          <p:cNvPr id="4" name="Title 3">
-            <a:extLst>
-              <a:ext uri="{FF2B5EF4-FFF2-40B4-BE49-F238E27FC236}">
-                <a16:creationId xmlns:a16="http://schemas.microsoft.com/office/drawing/2014/main" id="{9A173F86-C1EE-CFBD-CE21-D794521A4DAE}"/>
-              </a:ext>
-            </a:extLst>
-          </p:cNvPr>
-          <p:cNvSpPr>
-            <a:spLocks noGrp="1"/>
-          </p:cNvSpPr>
-          <p:nvPr>
-            <p:ph type="title"/>
-          </p:nvPr>
-        </p:nvSpPr>
-        <p:spPr/>
-        <p:txBody>
-          <a:bodyPr/>
-          <a:lstStyle/>
-          <a:p>
-            <a:r>
-              <a:rPr lang="en-US" dirty="0" err="1"/>
-              <a:t>Homeworks</a:t>
-            </a:r>
-            <a:endParaRPr lang="en-US" dirty="0"/>
-          </a:p>
-        </p:txBody>
-      </p:sp>
-      <p:sp>
-        <p:nvSpPr>
-          <p:cNvPr id="5" name="Content Placeholder 4">
-            <a:extLst>
-              <a:ext uri="{FF2B5EF4-FFF2-40B4-BE49-F238E27FC236}">
-                <a16:creationId xmlns:a16="http://schemas.microsoft.com/office/drawing/2014/main" id="{7A7E6C08-EE74-E030-67AC-051D61FE111E}"/>
-              </a:ext>
-            </a:extLst>
-          </p:cNvPr>
-          <p:cNvSpPr>
-            <a:spLocks noGrp="1"/>
-          </p:cNvSpPr>
-          <p:nvPr>
-            <p:ph idx="1"/>
-          </p:nvPr>
-        </p:nvSpPr>
-        <p:spPr/>
-        <p:txBody>
-          <a:bodyPr/>
-          <a:lstStyle/>
-          <a:p>
-            <a:r>
-              <a:rPr lang="en-US" dirty="0"/>
-              <a:t>HW 1 due today at 11:59pm.</a:t>
-            </a:r>
-          </a:p>
-          <a:p>
-            <a:r>
-              <a:rPr lang="en-US" dirty="0"/>
-              <a:t>HW 2 out today at 11:30am.</a:t>
-            </a:r>
-          </a:p>
-        </p:txBody>
-      </p:sp>
-    </p:spTree>
-    <p:extLst>
-      <p:ext uri="{BB962C8B-B14F-4D97-AF65-F5344CB8AC3E}">
-        <p14:creationId xmlns:p14="http://schemas.microsoft.com/office/powerpoint/2010/main" val="4162376793"/>
-      </p:ext>
-    </p:extLst>
-  </p:cSld>
-  <p:clrMapOvr>
-    <a:masterClrMapping/>
-  </p:clrMapOvr>
-</p:sld>
-</file>
-
-<file path=ppt/slides/slide20.xml><?xml version="1.0" encoding="utf-8"?>
+<file path=ppt/slides/slide21.xml><?xml version="1.0" encoding="utf-8"?>
 <p:sld xmlns:a="http://schemas.openxmlformats.org/drawingml/2006/main" xmlns:r="http://schemas.openxmlformats.org/officeDocument/2006/relationships" xmlns:p="http://schemas.openxmlformats.org/presentationml/2006/main">
   <p:cSld>
     <p:spTree>
@@ -8272,7 +9388,7 @@
 </p:sld>
 </file>
 
-<file path=ppt/slides/slide21.xml><?xml version="1.0" encoding="utf-8"?>
+<file path=ppt/slides/slide22.xml><?xml version="1.0" encoding="utf-8"?>
 <p:sld xmlns:a="http://schemas.openxmlformats.org/drawingml/2006/main" xmlns:r="http://schemas.openxmlformats.org/officeDocument/2006/relationships" xmlns:p="http://schemas.openxmlformats.org/presentationml/2006/main">
   <p:cSld>
     <p:spTree>
@@ -9050,7 +10166,7 @@
 </p:sld>
 </file>
 
-<file path=ppt/slides/slide22.xml><?xml version="1.0" encoding="utf-8"?>
+<file path=ppt/slides/slide23.xml><?xml version="1.0" encoding="utf-8"?>
 <p:sld xmlns:a="http://schemas.openxmlformats.org/drawingml/2006/main" xmlns:r="http://schemas.openxmlformats.org/officeDocument/2006/relationships" xmlns:p="http://schemas.openxmlformats.org/presentationml/2006/main">
   <p:cSld>
     <p:spTree>
@@ -9139,7 +10255,7 @@
 </p:sld>
 </file>
 
-<file path=ppt/slides/slide23.xml><?xml version="1.0" encoding="utf-8"?>
+<file path=ppt/slides/slide24.xml><?xml version="1.0" encoding="utf-8"?>
 <p:sld xmlns:a="http://schemas.openxmlformats.org/drawingml/2006/main" xmlns:r="http://schemas.openxmlformats.org/officeDocument/2006/relationships" xmlns:p="http://schemas.openxmlformats.org/presentationml/2006/main">
   <p:cSld>
     <p:spTree>
@@ -9908,7 +11024,7 @@
 </p:sld>
 </file>
 
-<file path=ppt/slides/slide24.xml><?xml version="1.0" encoding="utf-8"?>
+<file path=ppt/slides/slide25.xml><?xml version="1.0" encoding="utf-8"?>
 <p:sld xmlns:a="http://schemas.openxmlformats.org/drawingml/2006/main" xmlns:r="http://schemas.openxmlformats.org/officeDocument/2006/relationships" xmlns:p="http://schemas.openxmlformats.org/presentationml/2006/main">
   <p:cSld>
     <p:spTree>
@@ -10636,7 +11752,7 @@
 </p:sld>
 </file>
 
-<file path=ppt/slides/slide25.xml><?xml version="1.0" encoding="utf-8"?>
+<file path=ppt/slides/slide26.xml><?xml version="1.0" encoding="utf-8"?>
 <p:sld xmlns:a="http://schemas.openxmlformats.org/drawingml/2006/main" xmlns:r="http://schemas.openxmlformats.org/officeDocument/2006/relationships" xmlns:p="http://schemas.openxmlformats.org/presentationml/2006/main">
   <p:cSld>
     <p:spTree>
@@ -10760,7 +11876,7 @@
 </p:sld>
 </file>
 
-<file path=ppt/slides/slide26.xml><?xml version="1.0" encoding="utf-8"?>
+<file path=ppt/slides/slide27.xml><?xml version="1.0" encoding="utf-8"?>
 <p:sld xmlns:a="http://schemas.openxmlformats.org/drawingml/2006/main" xmlns:r="http://schemas.openxmlformats.org/officeDocument/2006/relationships" xmlns:p="http://schemas.openxmlformats.org/presentationml/2006/main">
   <p:cSld>
     <p:spTree>
@@ -19217,7 +20333,7 @@
 </p:sld>
 </file>
 
-<file path=ppt/slides/slide27.xml><?xml version="1.0" encoding="utf-8"?>
+<file path=ppt/slides/slide28.xml><?xml version="1.0" encoding="utf-8"?>
 <p:sld xmlns:a="http://schemas.openxmlformats.org/drawingml/2006/main" xmlns:r="http://schemas.openxmlformats.org/officeDocument/2006/relationships" xmlns:p="http://schemas.openxmlformats.org/presentationml/2006/main">
   <p:cSld>
     <p:spTree>
@@ -21741,7 +22857,7 @@
 </p:sld>
 </file>
 
-<file path=ppt/slides/slide28.xml><?xml version="1.0" encoding="utf-8"?>
+<file path=ppt/slides/slide29.xml><?xml version="1.0" encoding="utf-8"?>
 <p:sld xmlns:a="http://schemas.openxmlformats.org/drawingml/2006/main" xmlns:r="http://schemas.openxmlformats.org/officeDocument/2006/relationships" xmlns:p="http://schemas.openxmlformats.org/presentationml/2006/main">
   <p:cSld>
     <p:spTree>
@@ -26787,7 +27903,90 @@
 </p:sld>
 </file>
 
-<file path=ppt/slides/slide29.xml><?xml version="1.0" encoding="utf-8"?>
+<file path=ppt/slides/slide3.xml><?xml version="1.0" encoding="utf-8"?>
+<p:sld xmlns:a="http://schemas.openxmlformats.org/drawingml/2006/main" xmlns:r="http://schemas.openxmlformats.org/officeDocument/2006/relationships" xmlns:p="http://schemas.openxmlformats.org/presentationml/2006/main">
+  <p:cSld>
+    <p:spTree>
+      <p:nvGrpSpPr>
+        <p:cNvPr id="1" name=""/>
+        <p:cNvGrpSpPr/>
+        <p:nvPr/>
+      </p:nvGrpSpPr>
+      <p:grpSpPr>
+        <a:xfrm>
+          <a:off x="0" y="0"/>
+          <a:ext cx="0" cy="0"/>
+          <a:chOff x="0" y="0"/>
+          <a:chExt cx="0" cy="0"/>
+        </a:xfrm>
+      </p:grpSpPr>
+      <p:sp>
+        <p:nvSpPr>
+          <p:cNvPr id="2" name="Title 1">
+            <a:extLst>
+              <a:ext uri="{FF2B5EF4-FFF2-40B4-BE49-F238E27FC236}">
+                <a16:creationId xmlns:a16="http://schemas.microsoft.com/office/drawing/2014/main" id="{149F71B3-2D7D-74A2-E5C3-63EBD2C239C8}"/>
+              </a:ext>
+            </a:extLst>
+          </p:cNvPr>
+          <p:cNvSpPr>
+            <a:spLocks noGrp="1"/>
+          </p:cNvSpPr>
+          <p:nvPr>
+            <p:ph type="title"/>
+          </p:nvPr>
+        </p:nvSpPr>
+        <p:spPr/>
+        <p:txBody>
+          <a:bodyPr/>
+          <a:lstStyle/>
+          <a:p>
+            <a:r>
+              <a:rPr lang="en-US" dirty="0"/>
+              <a:t>Motivating Example</a:t>
+            </a:r>
+          </a:p>
+        </p:txBody>
+      </p:sp>
+      <p:sp>
+        <p:nvSpPr>
+          <p:cNvPr id="3" name="Text Placeholder 2">
+            <a:extLst>
+              <a:ext uri="{FF2B5EF4-FFF2-40B4-BE49-F238E27FC236}">
+                <a16:creationId xmlns:a16="http://schemas.microsoft.com/office/drawing/2014/main" id="{A3608ACD-B439-456B-C165-6FFFD6B1D691}"/>
+              </a:ext>
+            </a:extLst>
+          </p:cNvPr>
+          <p:cNvSpPr>
+            <a:spLocks noGrp="1"/>
+          </p:cNvSpPr>
+          <p:nvPr>
+            <p:ph type="body" idx="1"/>
+          </p:nvPr>
+        </p:nvSpPr>
+        <p:spPr/>
+        <p:txBody>
+          <a:bodyPr/>
+          <a:lstStyle/>
+          <a:p>
+            <a:endParaRPr lang="en-US" dirty="0"/>
+          </a:p>
+        </p:txBody>
+      </p:sp>
+    </p:spTree>
+    <p:extLst>
+      <p:ext uri="{BB962C8B-B14F-4D97-AF65-F5344CB8AC3E}">
+        <p14:creationId xmlns:p14="http://schemas.microsoft.com/office/powerpoint/2010/main" val="3960231308"/>
+      </p:ext>
+    </p:extLst>
+  </p:cSld>
+  <p:clrMapOvr>
+    <a:masterClrMapping/>
+  </p:clrMapOvr>
+</p:sld>
+</file>
+
+<file path=ppt/slides/slide30.xml><?xml version="1.0" encoding="utf-8"?>
 <p:sld xmlns:a="http://schemas.openxmlformats.org/drawingml/2006/main" xmlns:r="http://schemas.openxmlformats.org/officeDocument/2006/relationships" xmlns:p="http://schemas.openxmlformats.org/presentationml/2006/main">
   <p:cSld>
     <p:spTree>
@@ -29252,89 +30451,6 @@
 </p:sld>
 </file>
 
-<file path=ppt/slides/slide3.xml><?xml version="1.0" encoding="utf-8"?>
-<p:sld xmlns:a="http://schemas.openxmlformats.org/drawingml/2006/main" xmlns:r="http://schemas.openxmlformats.org/officeDocument/2006/relationships" xmlns:p="http://schemas.openxmlformats.org/presentationml/2006/main">
-  <p:cSld>
-    <p:spTree>
-      <p:nvGrpSpPr>
-        <p:cNvPr id="1" name=""/>
-        <p:cNvGrpSpPr/>
-        <p:nvPr/>
-      </p:nvGrpSpPr>
-      <p:grpSpPr>
-        <a:xfrm>
-          <a:off x="0" y="0"/>
-          <a:ext cx="0" cy="0"/>
-          <a:chOff x="0" y="0"/>
-          <a:chExt cx="0" cy="0"/>
-        </a:xfrm>
-      </p:grpSpPr>
-      <p:sp>
-        <p:nvSpPr>
-          <p:cNvPr id="2" name="Title 1">
-            <a:extLst>
-              <a:ext uri="{FF2B5EF4-FFF2-40B4-BE49-F238E27FC236}">
-                <a16:creationId xmlns:a16="http://schemas.microsoft.com/office/drawing/2014/main" id="{149F71B3-2D7D-74A2-E5C3-63EBD2C239C8}"/>
-              </a:ext>
-            </a:extLst>
-          </p:cNvPr>
-          <p:cNvSpPr>
-            <a:spLocks noGrp="1"/>
-          </p:cNvSpPr>
-          <p:nvPr>
-            <p:ph type="title"/>
-          </p:nvPr>
-        </p:nvSpPr>
-        <p:spPr/>
-        <p:txBody>
-          <a:bodyPr/>
-          <a:lstStyle/>
-          <a:p>
-            <a:r>
-              <a:rPr lang="en-US" dirty="0"/>
-              <a:t>Motivating Example</a:t>
-            </a:r>
-          </a:p>
-        </p:txBody>
-      </p:sp>
-      <p:sp>
-        <p:nvSpPr>
-          <p:cNvPr id="3" name="Text Placeholder 2">
-            <a:extLst>
-              <a:ext uri="{FF2B5EF4-FFF2-40B4-BE49-F238E27FC236}">
-                <a16:creationId xmlns:a16="http://schemas.microsoft.com/office/drawing/2014/main" id="{A3608ACD-B439-456B-C165-6FFFD6B1D691}"/>
-              </a:ext>
-            </a:extLst>
-          </p:cNvPr>
-          <p:cNvSpPr>
-            <a:spLocks noGrp="1"/>
-          </p:cNvSpPr>
-          <p:nvPr>
-            <p:ph type="body" idx="1"/>
-          </p:nvPr>
-        </p:nvSpPr>
-        <p:spPr/>
-        <p:txBody>
-          <a:bodyPr/>
-          <a:lstStyle/>
-          <a:p>
-            <a:endParaRPr lang="en-US" dirty="0"/>
-          </a:p>
-        </p:txBody>
-      </p:sp>
-    </p:spTree>
-    <p:extLst>
-      <p:ext uri="{BB962C8B-B14F-4D97-AF65-F5344CB8AC3E}">
-        <p14:creationId xmlns:p14="http://schemas.microsoft.com/office/powerpoint/2010/main" val="3960231308"/>
-      </p:ext>
-    </p:extLst>
-  </p:cSld>
-  <p:clrMapOvr>
-    <a:masterClrMapping/>
-  </p:clrMapOvr>
-</p:sld>
-</file>
-
 <file path=ppt/slides/slide4.xml><?xml version="1.0" encoding="utf-8"?>
 <p:sld xmlns:a="http://schemas.openxmlformats.org/drawingml/2006/main" xmlns:r="http://schemas.openxmlformats.org/officeDocument/2006/relationships" xmlns:p="http://schemas.openxmlformats.org/presentationml/2006/main">
   <p:cSld>

--- a/markdown/files/slides/05.pptx
+++ b/markdown/files/slides/05.pptx
@@ -226,7 +226,7 @@
           <a:p>
             <a:fld id="{0D7FFABE-B212-5F4F-8C26-F539B2DEA913}" type="datetimeFigureOut">
               <a:rPr lang="en-US" smtClean="0"/>
-              <a:t>10/2/2025</a:t>
+              <a:t>10/10/2025</a:t>
             </a:fld>
             <a:endParaRPr lang="en-US"/>
           </a:p>
@@ -647,7 +647,7 @@
           <a:p>
             <a:fld id="{A3AF8295-1801-B44D-A758-12B66076D675}" type="datetimeFigureOut">
               <a:rPr lang="en-US" smtClean="0"/>
-              <a:t>10/2/2025</a:t>
+              <a:t>10/10/2025</a:t>
             </a:fld>
             <a:endParaRPr lang="en-US"/>
           </a:p>
@@ -963,7 +963,7 @@
           <a:p>
             <a:fld id="{A3AF8295-1801-B44D-A758-12B66076D675}" type="datetimeFigureOut">
               <a:rPr lang="en-US" smtClean="0"/>
-              <a:t>10/2/2025</a:t>
+              <a:t>10/10/2025</a:t>
             </a:fld>
             <a:endParaRPr lang="en-US"/>
           </a:p>
@@ -1138,7 +1138,7 @@
           <a:p>
             <a:fld id="{A3AF8295-1801-B44D-A758-12B66076D675}" type="datetimeFigureOut">
               <a:rPr lang="en-US" smtClean="0"/>
-              <a:t>10/2/2025</a:t>
+              <a:t>10/10/2025</a:t>
             </a:fld>
             <a:endParaRPr lang="en-US"/>
           </a:p>
@@ -1347,7 +1347,7 @@
           <a:p>
             <a:fld id="{A3AF8295-1801-B44D-A758-12B66076D675}" type="datetimeFigureOut">
               <a:rPr lang="en-US" smtClean="0"/>
-              <a:t>10/2/2025</a:t>
+              <a:t>10/10/2025</a:t>
             </a:fld>
             <a:endParaRPr lang="en-US"/>
           </a:p>
@@ -1488,7 +1488,7 @@
           <a:p>
             <a:fld id="{A3AF8295-1801-B44D-A758-12B66076D675}" type="datetimeFigureOut">
               <a:rPr lang="en-US" smtClean="0"/>
-              <a:t>10/2/2025</a:t>
+              <a:t>10/10/2025</a:t>
             </a:fld>
             <a:endParaRPr lang="en-US"/>
           </a:p>
@@ -1601,7 +1601,7 @@
           <a:p>
             <a:fld id="{A3AF8295-1801-B44D-A758-12B66076D675}" type="datetimeFigureOut">
               <a:rPr lang="en-US" smtClean="0"/>
-              <a:t>10/2/2025</a:t>
+              <a:t>10/10/2025</a:t>
             </a:fld>
             <a:endParaRPr lang="en-US"/>
           </a:p>
@@ -1826,7 +1826,7 @@
           <a:p>
             <a:fld id="{A3AF8295-1801-B44D-A758-12B66076D675}" type="datetimeFigureOut">
               <a:rPr lang="en-US" smtClean="0"/>
-              <a:t>10/2/2025</a:t>
+              <a:t>10/10/2025</a:t>
             </a:fld>
             <a:endParaRPr lang="en-US"/>
           </a:p>
@@ -3518,8 +3518,8 @@
             </a:extLst>
           </p:spPr>
         </p:pic>
-        <mc:AlternateContent xmlns:mc="http://schemas.openxmlformats.org/markup-compatibility/2006">
-          <mc:Choice xmlns:a14="http://schemas.microsoft.com/office/drawing/2010/main" Requires="a14">
+        <mc:AlternateContent xmlns:mc="http://schemas.openxmlformats.org/markup-compatibility/2006" xmlns:a14="http://schemas.microsoft.com/office/drawing/2010/main">
+          <mc:Choice Requires="a14">
             <p:sp>
               <p:nvSpPr>
                 <p:cNvPr id="3" name="TextBox 2"/>
@@ -3565,7 +3565,7 @@
                                 <a:solidFill>
                                   <a:schemeClr val="accent1"/>
                                 </a:solidFill>
-                                <a:latin typeface="Cambria Math"/>
+                                <a:latin typeface="Cambria Math" panose="02040503050406030204" pitchFamily="18" charset="0"/>
                               </a:rPr>
                             </m:ctrlPr>
                           </m:dPr>
@@ -3661,7 +3661,7 @@
               </p:txBody>
             </p:sp>
           </mc:Choice>
-          <mc:Fallback>
+          <mc:Fallback xmlns="">
             <p:sp>
               <p:nvSpPr>
                 <p:cNvPr id="3" name="TextBox 2"/>
@@ -3700,8 +3700,8 @@
             </p:sp>
           </mc:Fallback>
         </mc:AlternateContent>
-        <mc:AlternateContent xmlns:mc="http://schemas.openxmlformats.org/markup-compatibility/2006">
-          <mc:Choice xmlns:a14="http://schemas.microsoft.com/office/drawing/2010/main" Requires="a14">
+        <mc:AlternateContent xmlns:mc="http://schemas.openxmlformats.org/markup-compatibility/2006" xmlns:a14="http://schemas.microsoft.com/office/drawing/2010/main">
+          <mc:Choice Requires="a14">
             <p:sp>
               <p:nvSpPr>
                 <p:cNvPr id="5" name="TextBox 4"/>
@@ -3747,7 +3747,7 @@
                                 <a:solidFill>
                                   <a:srgbClr val="FF0000"/>
                                 </a:solidFill>
-                                <a:latin typeface="Cambria Math"/>
+                                <a:latin typeface="Cambria Math" panose="02040503050406030204" pitchFamily="18" charset="0"/>
                               </a:rPr>
                             </m:ctrlPr>
                           </m:dPr>
@@ -3846,7 +3846,7 @@
               </p:txBody>
             </p:sp>
           </mc:Choice>
-          <mc:Fallback>
+          <mc:Fallback xmlns="">
             <p:sp>
               <p:nvSpPr>
                 <p:cNvPr id="5" name="TextBox 4"/>
@@ -3885,8 +3885,8 @@
             </p:sp>
           </mc:Fallback>
         </mc:AlternateContent>
-        <mc:AlternateContent xmlns:mc="http://schemas.openxmlformats.org/markup-compatibility/2006">
-          <mc:Choice xmlns:a14="http://schemas.microsoft.com/office/drawing/2010/main" Requires="a14">
+        <mc:AlternateContent xmlns:mc="http://schemas.openxmlformats.org/markup-compatibility/2006" xmlns:a14="http://schemas.microsoft.com/office/drawing/2010/main">
+          <mc:Choice Requires="a14">
             <p:sp>
               <p:nvSpPr>
                 <p:cNvPr id="6" name="TextBox 5"/>
@@ -3936,7 +3936,7 @@
                                     <a:lumMod val="75000"/>
                                   </a:schemeClr>
                                 </a:solidFill>
-                                <a:latin typeface="Cambria Math"/>
+                                <a:latin typeface="Cambria Math" panose="02040503050406030204" pitchFamily="18" charset="0"/>
                               </a:rPr>
                             </m:ctrlPr>
                           </m:dPr>
@@ -4053,7 +4053,7 @@
               </p:txBody>
             </p:sp>
           </mc:Choice>
-          <mc:Fallback>
+          <mc:Fallback xmlns="">
             <p:sp>
               <p:nvSpPr>
                 <p:cNvPr id="6" name="TextBox 5"/>
@@ -4126,8 +4126,8 @@
           </a:p>
         </p:txBody>
       </p:sp>
-      <mc:AlternateContent xmlns:mc="http://schemas.openxmlformats.org/markup-compatibility/2006">
-        <mc:Choice xmlns:a14="http://schemas.microsoft.com/office/drawing/2010/main" Requires="a14">
+      <mc:AlternateContent xmlns:mc="http://schemas.openxmlformats.org/markup-compatibility/2006" xmlns:a14="http://schemas.microsoft.com/office/drawing/2010/main">
+        <mc:Choice Requires="a14">
           <p:sp>
             <p:nvSpPr>
               <p:cNvPr id="8" name="TextBox 7">
@@ -5324,7 +5324,7 @@
             </p:txBody>
           </p:sp>
         </mc:Choice>
-        <mc:Fallback>
+        <mc:Fallback xmlns="">
           <p:sp>
             <p:nvSpPr>
               <p:cNvPr id="8" name="TextBox 7">
@@ -5466,8 +5466,8 @@
           </a:p>
         </p:txBody>
       </p:sp>
-      <mc:AlternateContent xmlns:mc="http://schemas.openxmlformats.org/markup-compatibility/2006">
-        <mc:Choice xmlns:a14="http://schemas.microsoft.com/office/drawing/2010/main" Requires="a14">
+      <mc:AlternateContent xmlns:mc="http://schemas.openxmlformats.org/markup-compatibility/2006" xmlns:a14="http://schemas.microsoft.com/office/drawing/2010/main">
+        <mc:Choice Requires="a14">
           <p:sp>
             <p:nvSpPr>
               <p:cNvPr id="6" name="Content Placeholder 2">
@@ -6402,7 +6402,7 @@
             </p:txBody>
           </p:sp>
         </mc:Choice>
-        <mc:Fallback>
+        <mc:Fallback xmlns="">
           <p:sp>
             <p:nvSpPr>
               <p:cNvPr id="6" name="Content Placeholder 2">
@@ -6544,8 +6544,8 @@
           </a:p>
         </p:txBody>
       </p:sp>
-      <mc:AlternateContent xmlns:mc="http://schemas.openxmlformats.org/markup-compatibility/2006">
-        <mc:Choice xmlns:a14="http://schemas.microsoft.com/office/drawing/2010/main" Requires="a14">
+      <mc:AlternateContent xmlns:mc="http://schemas.openxmlformats.org/markup-compatibility/2006" xmlns:a14="http://schemas.microsoft.com/office/drawing/2010/main">
+        <mc:Choice Requires="a14">
           <p:sp>
             <p:nvSpPr>
               <p:cNvPr id="6" name="Content Placeholder 2">
@@ -7517,7 +7517,7 @@
             </p:txBody>
           </p:sp>
         </mc:Choice>
-        <mc:Fallback>
+        <mc:Fallback xmlns="">
           <p:sp>
             <p:nvSpPr>
               <p:cNvPr id="6" name="Content Placeholder 2">
@@ -11940,8 +11940,8 @@
             </a:xfrm>
             <a:grpFill/>
           </p:grpSpPr>
-          <mc:AlternateContent xmlns:mc="http://schemas.openxmlformats.org/markup-compatibility/2006">
-            <mc:Choice xmlns:a14="http://schemas.microsoft.com/office/drawing/2010/main" Requires="a14">
+          <mc:AlternateContent xmlns:mc="http://schemas.openxmlformats.org/markup-compatibility/2006" xmlns:a14="http://schemas.microsoft.com/office/drawing/2010/main">
+            <mc:Choice Requires="a14">
               <p:sp>
                 <p:nvSpPr>
                   <p:cNvPr id="73" name="Rectangle 72">
@@ -12048,7 +12048,7 @@
                 </p:txBody>
               </p:sp>
             </mc:Choice>
-            <mc:Fallback>
+            <mc:Fallback xmlns="">
               <p:sp>
                 <p:nvSpPr>
                   <p:cNvPr id="73" name="Rectangle 72">
@@ -12101,8 +12101,8 @@
               </p:sp>
             </mc:Fallback>
           </mc:AlternateContent>
-          <mc:AlternateContent xmlns:mc="http://schemas.openxmlformats.org/markup-compatibility/2006">
-            <mc:Choice xmlns:a14="http://schemas.microsoft.com/office/drawing/2010/main" Requires="a14">
+          <mc:AlternateContent xmlns:mc="http://schemas.openxmlformats.org/markup-compatibility/2006" xmlns:a14="http://schemas.microsoft.com/office/drawing/2010/main">
+            <mc:Choice Requires="a14">
               <p:sp>
                 <p:nvSpPr>
                   <p:cNvPr id="74" name="Rectangle 73">
@@ -12209,7 +12209,7 @@
                 </p:txBody>
               </p:sp>
             </mc:Choice>
-            <mc:Fallback>
+            <mc:Fallback xmlns="">
               <p:sp>
                 <p:nvSpPr>
                   <p:cNvPr id="74" name="Rectangle 73">
@@ -12262,8 +12262,8 @@
               </p:sp>
             </mc:Fallback>
           </mc:AlternateContent>
-          <mc:AlternateContent xmlns:mc="http://schemas.openxmlformats.org/markup-compatibility/2006">
-            <mc:Choice xmlns:a14="http://schemas.microsoft.com/office/drawing/2010/main" Requires="a14">
+          <mc:AlternateContent xmlns:mc="http://schemas.openxmlformats.org/markup-compatibility/2006" xmlns:a14="http://schemas.microsoft.com/office/drawing/2010/main">
+            <mc:Choice Requires="a14">
               <p:sp>
                 <p:nvSpPr>
                   <p:cNvPr id="75" name="Rectangle 74">
@@ -12370,7 +12370,7 @@
                 </p:txBody>
               </p:sp>
             </mc:Choice>
-            <mc:Fallback>
+            <mc:Fallback xmlns="">
               <p:sp>
                 <p:nvSpPr>
                   <p:cNvPr id="75" name="Rectangle 74">
@@ -12423,8 +12423,8 @@
               </p:sp>
             </mc:Fallback>
           </mc:AlternateContent>
-          <mc:AlternateContent xmlns:mc="http://schemas.openxmlformats.org/markup-compatibility/2006">
-            <mc:Choice xmlns:a14="http://schemas.microsoft.com/office/drawing/2010/main" Requires="a14">
+          <mc:AlternateContent xmlns:mc="http://schemas.openxmlformats.org/markup-compatibility/2006" xmlns:a14="http://schemas.microsoft.com/office/drawing/2010/main">
+            <mc:Choice Requires="a14">
               <p:sp>
                 <p:nvSpPr>
                   <p:cNvPr id="76" name="Rectangle 75">
@@ -12531,7 +12531,7 @@
                 </p:txBody>
               </p:sp>
             </mc:Choice>
-            <mc:Fallback>
+            <mc:Fallback xmlns="">
               <p:sp>
                 <p:nvSpPr>
                   <p:cNvPr id="76" name="Rectangle 75">
@@ -12606,8 +12606,8 @@
             </a:xfrm>
             <a:grpFill/>
           </p:grpSpPr>
-          <mc:AlternateContent xmlns:mc="http://schemas.openxmlformats.org/markup-compatibility/2006">
-            <mc:Choice xmlns:a14="http://schemas.microsoft.com/office/drawing/2010/main" Requires="a14">
+          <mc:AlternateContent xmlns:mc="http://schemas.openxmlformats.org/markup-compatibility/2006" xmlns:a14="http://schemas.microsoft.com/office/drawing/2010/main">
+            <mc:Choice Requires="a14">
               <p:sp>
                 <p:nvSpPr>
                   <p:cNvPr id="69" name="Rectangle 68">
@@ -12714,7 +12714,7 @@
                 </p:txBody>
               </p:sp>
             </mc:Choice>
-            <mc:Fallback>
+            <mc:Fallback xmlns="">
               <p:sp>
                 <p:nvSpPr>
                   <p:cNvPr id="69" name="Rectangle 68">
@@ -12767,8 +12767,8 @@
               </p:sp>
             </mc:Fallback>
           </mc:AlternateContent>
-          <mc:AlternateContent xmlns:mc="http://schemas.openxmlformats.org/markup-compatibility/2006">
-            <mc:Choice xmlns:a14="http://schemas.microsoft.com/office/drawing/2010/main" Requires="a14">
+          <mc:AlternateContent xmlns:mc="http://schemas.openxmlformats.org/markup-compatibility/2006" xmlns:a14="http://schemas.microsoft.com/office/drawing/2010/main">
+            <mc:Choice Requires="a14">
               <p:sp>
                 <p:nvSpPr>
                   <p:cNvPr id="70" name="Rectangle 69">
@@ -12875,7 +12875,7 @@
                 </p:txBody>
               </p:sp>
             </mc:Choice>
-            <mc:Fallback>
+            <mc:Fallback xmlns="">
               <p:sp>
                 <p:nvSpPr>
                   <p:cNvPr id="70" name="Rectangle 69">
@@ -12928,8 +12928,8 @@
               </p:sp>
             </mc:Fallback>
           </mc:AlternateContent>
-          <mc:AlternateContent xmlns:mc="http://schemas.openxmlformats.org/markup-compatibility/2006">
-            <mc:Choice xmlns:a14="http://schemas.microsoft.com/office/drawing/2010/main" Requires="a14">
+          <mc:AlternateContent xmlns:mc="http://schemas.openxmlformats.org/markup-compatibility/2006" xmlns:a14="http://schemas.microsoft.com/office/drawing/2010/main">
+            <mc:Choice Requires="a14">
               <p:sp>
                 <p:nvSpPr>
                   <p:cNvPr id="71" name="Rectangle 70">
@@ -13036,7 +13036,7 @@
                 </p:txBody>
               </p:sp>
             </mc:Choice>
-            <mc:Fallback>
+            <mc:Fallback xmlns="">
               <p:sp>
                 <p:nvSpPr>
                   <p:cNvPr id="71" name="Rectangle 70">
@@ -13089,8 +13089,8 @@
               </p:sp>
             </mc:Fallback>
           </mc:AlternateContent>
-          <mc:AlternateContent xmlns:mc="http://schemas.openxmlformats.org/markup-compatibility/2006">
-            <mc:Choice xmlns:a14="http://schemas.microsoft.com/office/drawing/2010/main" Requires="a14">
+          <mc:AlternateContent xmlns:mc="http://schemas.openxmlformats.org/markup-compatibility/2006" xmlns:a14="http://schemas.microsoft.com/office/drawing/2010/main">
+            <mc:Choice Requires="a14">
               <p:sp>
                 <p:nvSpPr>
                   <p:cNvPr id="72" name="Rectangle 71">
@@ -13197,7 +13197,7 @@
                 </p:txBody>
               </p:sp>
             </mc:Choice>
-            <mc:Fallback>
+            <mc:Fallback xmlns="">
               <p:sp>
                 <p:nvSpPr>
                   <p:cNvPr id="72" name="Rectangle 71">
@@ -13272,8 +13272,8 @@
             </a:xfrm>
             <a:grpFill/>
           </p:grpSpPr>
-          <mc:AlternateContent xmlns:mc="http://schemas.openxmlformats.org/markup-compatibility/2006">
-            <mc:Choice xmlns:a14="http://schemas.microsoft.com/office/drawing/2010/main" Requires="a14">
+          <mc:AlternateContent xmlns:mc="http://schemas.openxmlformats.org/markup-compatibility/2006" xmlns:a14="http://schemas.microsoft.com/office/drawing/2010/main">
+            <mc:Choice Requires="a14">
               <p:sp>
                 <p:nvSpPr>
                   <p:cNvPr id="65" name="Rectangle 64">
@@ -13380,7 +13380,7 @@
                 </p:txBody>
               </p:sp>
             </mc:Choice>
-            <mc:Fallback>
+            <mc:Fallback xmlns="">
               <p:sp>
                 <p:nvSpPr>
                   <p:cNvPr id="65" name="Rectangle 64">
@@ -13433,8 +13433,8 @@
               </p:sp>
             </mc:Fallback>
           </mc:AlternateContent>
-          <mc:AlternateContent xmlns:mc="http://schemas.openxmlformats.org/markup-compatibility/2006">
-            <mc:Choice xmlns:a14="http://schemas.microsoft.com/office/drawing/2010/main" Requires="a14">
+          <mc:AlternateContent xmlns:mc="http://schemas.openxmlformats.org/markup-compatibility/2006" xmlns:a14="http://schemas.microsoft.com/office/drawing/2010/main">
+            <mc:Choice Requires="a14">
               <p:sp>
                 <p:nvSpPr>
                   <p:cNvPr id="66" name="Rectangle 65">
@@ -13541,7 +13541,7 @@
                 </p:txBody>
               </p:sp>
             </mc:Choice>
-            <mc:Fallback>
+            <mc:Fallback xmlns="">
               <p:sp>
                 <p:nvSpPr>
                   <p:cNvPr id="66" name="Rectangle 65">
@@ -13594,8 +13594,8 @@
               </p:sp>
             </mc:Fallback>
           </mc:AlternateContent>
-          <mc:AlternateContent xmlns:mc="http://schemas.openxmlformats.org/markup-compatibility/2006">
-            <mc:Choice xmlns:a14="http://schemas.microsoft.com/office/drawing/2010/main" Requires="a14">
+          <mc:AlternateContent xmlns:mc="http://schemas.openxmlformats.org/markup-compatibility/2006" xmlns:a14="http://schemas.microsoft.com/office/drawing/2010/main">
+            <mc:Choice Requires="a14">
               <p:sp>
                 <p:nvSpPr>
                   <p:cNvPr id="67" name="Rectangle 66">
@@ -13702,7 +13702,7 @@
                 </p:txBody>
               </p:sp>
             </mc:Choice>
-            <mc:Fallback>
+            <mc:Fallback xmlns="">
               <p:sp>
                 <p:nvSpPr>
                   <p:cNvPr id="67" name="Rectangle 66">
@@ -13755,8 +13755,8 @@
               </p:sp>
             </mc:Fallback>
           </mc:AlternateContent>
-          <mc:AlternateContent xmlns:mc="http://schemas.openxmlformats.org/markup-compatibility/2006">
-            <mc:Choice xmlns:a14="http://schemas.microsoft.com/office/drawing/2010/main" Requires="a14">
+          <mc:AlternateContent xmlns:mc="http://schemas.openxmlformats.org/markup-compatibility/2006" xmlns:a14="http://schemas.microsoft.com/office/drawing/2010/main">
+            <mc:Choice Requires="a14">
               <p:sp>
                 <p:nvSpPr>
                   <p:cNvPr id="68" name="Rectangle 67">
@@ -13863,7 +13863,7 @@
                 </p:txBody>
               </p:sp>
             </mc:Choice>
-            <mc:Fallback>
+            <mc:Fallback xmlns="">
               <p:sp>
                 <p:nvSpPr>
                   <p:cNvPr id="68" name="Rectangle 67">
@@ -13938,8 +13938,8 @@
             </a:xfrm>
             <a:grpFill/>
           </p:grpSpPr>
-          <mc:AlternateContent xmlns:mc="http://schemas.openxmlformats.org/markup-compatibility/2006">
-            <mc:Choice xmlns:a14="http://schemas.microsoft.com/office/drawing/2010/main" Requires="a14">
+          <mc:AlternateContent xmlns:mc="http://schemas.openxmlformats.org/markup-compatibility/2006" xmlns:a14="http://schemas.microsoft.com/office/drawing/2010/main">
+            <mc:Choice Requires="a14">
               <p:sp>
                 <p:nvSpPr>
                   <p:cNvPr id="61" name="Rectangle 60">
@@ -14046,7 +14046,7 @@
                 </p:txBody>
               </p:sp>
             </mc:Choice>
-            <mc:Fallback>
+            <mc:Fallback xmlns="">
               <p:sp>
                 <p:nvSpPr>
                   <p:cNvPr id="61" name="Rectangle 60">
@@ -14099,8 +14099,8 @@
               </p:sp>
             </mc:Fallback>
           </mc:AlternateContent>
-          <mc:AlternateContent xmlns:mc="http://schemas.openxmlformats.org/markup-compatibility/2006">
-            <mc:Choice xmlns:a14="http://schemas.microsoft.com/office/drawing/2010/main" Requires="a14">
+          <mc:AlternateContent xmlns:mc="http://schemas.openxmlformats.org/markup-compatibility/2006" xmlns:a14="http://schemas.microsoft.com/office/drawing/2010/main">
+            <mc:Choice Requires="a14">
               <p:sp>
                 <p:nvSpPr>
                   <p:cNvPr id="62" name="Rectangle 61">
@@ -14207,7 +14207,7 @@
                 </p:txBody>
               </p:sp>
             </mc:Choice>
-            <mc:Fallback>
+            <mc:Fallback xmlns="">
               <p:sp>
                 <p:nvSpPr>
                   <p:cNvPr id="62" name="Rectangle 61">
@@ -14260,8 +14260,8 @@
               </p:sp>
             </mc:Fallback>
           </mc:AlternateContent>
-          <mc:AlternateContent xmlns:mc="http://schemas.openxmlformats.org/markup-compatibility/2006">
-            <mc:Choice xmlns:a14="http://schemas.microsoft.com/office/drawing/2010/main" Requires="a14">
+          <mc:AlternateContent xmlns:mc="http://schemas.openxmlformats.org/markup-compatibility/2006" xmlns:a14="http://schemas.microsoft.com/office/drawing/2010/main">
+            <mc:Choice Requires="a14">
               <p:sp>
                 <p:nvSpPr>
                   <p:cNvPr id="63" name="Rectangle 62">
@@ -14368,7 +14368,7 @@
                 </p:txBody>
               </p:sp>
             </mc:Choice>
-            <mc:Fallback>
+            <mc:Fallback xmlns="">
               <p:sp>
                 <p:nvSpPr>
                   <p:cNvPr id="63" name="Rectangle 62">
@@ -14421,8 +14421,8 @@
               </p:sp>
             </mc:Fallback>
           </mc:AlternateContent>
-          <mc:AlternateContent xmlns:mc="http://schemas.openxmlformats.org/markup-compatibility/2006">
-            <mc:Choice xmlns:a14="http://schemas.microsoft.com/office/drawing/2010/main" Requires="a14">
+          <mc:AlternateContent xmlns:mc="http://schemas.openxmlformats.org/markup-compatibility/2006" xmlns:a14="http://schemas.microsoft.com/office/drawing/2010/main">
+            <mc:Choice Requires="a14">
               <p:sp>
                 <p:nvSpPr>
                   <p:cNvPr id="64" name="Rectangle 63">
@@ -14529,7 +14529,7 @@
                 </p:txBody>
               </p:sp>
             </mc:Choice>
-            <mc:Fallback>
+            <mc:Fallback xmlns="">
               <p:sp>
                 <p:nvSpPr>
                   <p:cNvPr id="64" name="Rectangle 63">
@@ -14612,8 +14612,8 @@
           </a:p>
         </p:txBody>
       </p:sp>
-      <mc:AlternateContent xmlns:mc="http://schemas.openxmlformats.org/markup-compatibility/2006">
-        <mc:Choice xmlns:a14="http://schemas.microsoft.com/office/drawing/2010/main" Requires="a14">
+      <mc:AlternateContent xmlns:mc="http://schemas.openxmlformats.org/markup-compatibility/2006" xmlns:a14="http://schemas.microsoft.com/office/drawing/2010/main">
+        <mc:Choice Requires="a14">
           <p:sp>
             <p:nvSpPr>
               <p:cNvPr id="3" name="Content Placeholder 2">
@@ -15044,7 +15044,7 @@
             </p:txBody>
           </p:sp>
         </mc:Choice>
-        <mc:Fallback>
+        <mc:Fallback xmlns="">
           <p:sp>
             <p:nvSpPr>
               <p:cNvPr id="3" name="Content Placeholder 2">
@@ -15648,8 +15648,8 @@
             </a:schemeClr>
           </a:solidFill>
         </p:grpSpPr>
-        <mc:AlternateContent xmlns:mc="http://schemas.openxmlformats.org/markup-compatibility/2006">
-          <mc:Choice xmlns:a14="http://schemas.microsoft.com/office/drawing/2010/main" Requires="a14">
+        <mc:AlternateContent xmlns:mc="http://schemas.openxmlformats.org/markup-compatibility/2006" xmlns:a14="http://schemas.microsoft.com/office/drawing/2010/main">
+          <mc:Choice Requires="a14">
             <p:sp>
               <p:nvSpPr>
                 <p:cNvPr id="9" name="Rectangle 8">
@@ -15756,7 +15756,7 @@
               </p:txBody>
             </p:sp>
           </mc:Choice>
-          <mc:Fallback>
+          <mc:Fallback xmlns="">
             <p:sp>
               <p:nvSpPr>
                 <p:cNvPr id="9" name="Rectangle 8">
@@ -15809,8 +15809,8 @@
             </p:sp>
           </mc:Fallback>
         </mc:AlternateContent>
-        <mc:AlternateContent xmlns:mc="http://schemas.openxmlformats.org/markup-compatibility/2006">
-          <mc:Choice xmlns:a14="http://schemas.microsoft.com/office/drawing/2010/main" Requires="a14">
+        <mc:AlternateContent xmlns:mc="http://schemas.openxmlformats.org/markup-compatibility/2006" xmlns:a14="http://schemas.microsoft.com/office/drawing/2010/main">
+          <mc:Choice Requires="a14">
             <p:sp>
               <p:nvSpPr>
                 <p:cNvPr id="10" name="Rectangle 9">
@@ -15917,7 +15917,7 @@
               </p:txBody>
             </p:sp>
           </mc:Choice>
-          <mc:Fallback>
+          <mc:Fallback xmlns="">
             <p:sp>
               <p:nvSpPr>
                 <p:cNvPr id="10" name="Rectangle 9">
@@ -15970,8 +15970,8 @@
             </p:sp>
           </mc:Fallback>
         </mc:AlternateContent>
-        <mc:AlternateContent xmlns:mc="http://schemas.openxmlformats.org/markup-compatibility/2006">
-          <mc:Choice xmlns:a14="http://schemas.microsoft.com/office/drawing/2010/main" Requires="a14">
+        <mc:AlternateContent xmlns:mc="http://schemas.openxmlformats.org/markup-compatibility/2006" xmlns:a14="http://schemas.microsoft.com/office/drawing/2010/main">
+          <mc:Choice Requires="a14">
             <p:sp>
               <p:nvSpPr>
                 <p:cNvPr id="22" name="Rectangle 21">
@@ -16078,7 +16078,7 @@
               </p:txBody>
             </p:sp>
           </mc:Choice>
-          <mc:Fallback>
+          <mc:Fallback xmlns="">
             <p:sp>
               <p:nvSpPr>
                 <p:cNvPr id="22" name="Rectangle 21">
@@ -16131,8 +16131,8 @@
             </p:sp>
           </mc:Fallback>
         </mc:AlternateContent>
-        <mc:AlternateContent xmlns:mc="http://schemas.openxmlformats.org/markup-compatibility/2006">
-          <mc:Choice xmlns:a14="http://schemas.microsoft.com/office/drawing/2010/main" Requires="a14">
+        <mc:AlternateContent xmlns:mc="http://schemas.openxmlformats.org/markup-compatibility/2006" xmlns:a14="http://schemas.microsoft.com/office/drawing/2010/main">
+          <mc:Choice Requires="a14">
             <p:sp>
               <p:nvSpPr>
                 <p:cNvPr id="23" name="Rectangle 22">
@@ -16239,7 +16239,7 @@
               </p:txBody>
             </p:sp>
           </mc:Choice>
-          <mc:Fallback>
+          <mc:Fallback xmlns="">
             <p:sp>
               <p:nvSpPr>
                 <p:cNvPr id="23" name="Rectangle 22">
@@ -16319,8 +16319,8 @@
             </a:schemeClr>
           </a:solidFill>
         </p:grpSpPr>
-        <mc:AlternateContent xmlns:mc="http://schemas.openxmlformats.org/markup-compatibility/2006">
-          <mc:Choice xmlns:a14="http://schemas.microsoft.com/office/drawing/2010/main" Requires="a14">
+        <mc:AlternateContent xmlns:mc="http://schemas.openxmlformats.org/markup-compatibility/2006" xmlns:a14="http://schemas.microsoft.com/office/drawing/2010/main">
+          <mc:Choice Requires="a14">
             <p:sp>
               <p:nvSpPr>
                 <p:cNvPr id="26" name="Rectangle 25">
@@ -16427,7 +16427,7 @@
               </p:txBody>
             </p:sp>
           </mc:Choice>
-          <mc:Fallback>
+          <mc:Fallback xmlns="">
             <p:sp>
               <p:nvSpPr>
                 <p:cNvPr id="26" name="Rectangle 25">
@@ -16480,8 +16480,8 @@
             </p:sp>
           </mc:Fallback>
         </mc:AlternateContent>
-        <mc:AlternateContent xmlns:mc="http://schemas.openxmlformats.org/markup-compatibility/2006">
-          <mc:Choice xmlns:a14="http://schemas.microsoft.com/office/drawing/2010/main" Requires="a14">
+        <mc:AlternateContent xmlns:mc="http://schemas.openxmlformats.org/markup-compatibility/2006" xmlns:a14="http://schemas.microsoft.com/office/drawing/2010/main">
+          <mc:Choice Requires="a14">
             <p:sp>
               <p:nvSpPr>
                 <p:cNvPr id="27" name="Rectangle 26">
@@ -16588,7 +16588,7 @@
               </p:txBody>
             </p:sp>
           </mc:Choice>
-          <mc:Fallback>
+          <mc:Fallback xmlns="">
             <p:sp>
               <p:nvSpPr>
                 <p:cNvPr id="27" name="Rectangle 26">
@@ -16641,8 +16641,8 @@
             </p:sp>
           </mc:Fallback>
         </mc:AlternateContent>
-        <mc:AlternateContent xmlns:mc="http://schemas.openxmlformats.org/markup-compatibility/2006">
-          <mc:Choice xmlns:a14="http://schemas.microsoft.com/office/drawing/2010/main" Requires="a14">
+        <mc:AlternateContent xmlns:mc="http://schemas.openxmlformats.org/markup-compatibility/2006" xmlns:a14="http://schemas.microsoft.com/office/drawing/2010/main">
+          <mc:Choice Requires="a14">
             <p:sp>
               <p:nvSpPr>
                 <p:cNvPr id="28" name="Rectangle 27">
@@ -16749,7 +16749,7 @@
               </p:txBody>
             </p:sp>
           </mc:Choice>
-          <mc:Fallback>
+          <mc:Fallback xmlns="">
             <p:sp>
               <p:nvSpPr>
                 <p:cNvPr id="28" name="Rectangle 27">
@@ -16802,8 +16802,8 @@
             </p:sp>
           </mc:Fallback>
         </mc:AlternateContent>
-        <mc:AlternateContent xmlns:mc="http://schemas.openxmlformats.org/markup-compatibility/2006">
-          <mc:Choice xmlns:a14="http://schemas.microsoft.com/office/drawing/2010/main" Requires="a14">
+        <mc:AlternateContent xmlns:mc="http://schemas.openxmlformats.org/markup-compatibility/2006" xmlns:a14="http://schemas.microsoft.com/office/drawing/2010/main">
+          <mc:Choice Requires="a14">
             <p:sp>
               <p:nvSpPr>
                 <p:cNvPr id="29" name="Rectangle 28">
@@ -16910,7 +16910,7 @@
               </p:txBody>
             </p:sp>
           </mc:Choice>
-          <mc:Fallback>
+          <mc:Fallback xmlns="">
             <p:sp>
               <p:nvSpPr>
                 <p:cNvPr id="29" name="Rectangle 28">
@@ -17010,8 +17010,8 @@
               </a:schemeClr>
             </a:solidFill>
           </p:grpSpPr>
-          <mc:AlternateContent xmlns:mc="http://schemas.openxmlformats.org/markup-compatibility/2006">
-            <mc:Choice xmlns:a14="http://schemas.microsoft.com/office/drawing/2010/main" Requires="a14">
+          <mc:AlternateContent xmlns:mc="http://schemas.openxmlformats.org/markup-compatibility/2006" xmlns:a14="http://schemas.microsoft.com/office/drawing/2010/main">
+            <mc:Choice Requires="a14">
               <p:sp>
                 <p:nvSpPr>
                   <p:cNvPr id="31" name="Rectangle 30">
@@ -17118,7 +17118,7 @@
                 </p:txBody>
               </p:sp>
             </mc:Choice>
-            <mc:Fallback>
+            <mc:Fallback xmlns="">
               <p:sp>
                 <p:nvSpPr>
                   <p:cNvPr id="31" name="Rectangle 30">
@@ -17171,8 +17171,8 @@
               </p:sp>
             </mc:Fallback>
           </mc:AlternateContent>
-          <mc:AlternateContent xmlns:mc="http://schemas.openxmlformats.org/markup-compatibility/2006">
-            <mc:Choice xmlns:a14="http://schemas.microsoft.com/office/drawing/2010/main" Requires="a14">
+          <mc:AlternateContent xmlns:mc="http://schemas.openxmlformats.org/markup-compatibility/2006" xmlns:a14="http://schemas.microsoft.com/office/drawing/2010/main">
+            <mc:Choice Requires="a14">
               <p:sp>
                 <p:nvSpPr>
                   <p:cNvPr id="32" name="Rectangle 31">
@@ -17279,7 +17279,7 @@
                 </p:txBody>
               </p:sp>
             </mc:Choice>
-            <mc:Fallback>
+            <mc:Fallback xmlns="">
               <p:sp>
                 <p:nvSpPr>
                   <p:cNvPr id="32" name="Rectangle 31">
@@ -17332,8 +17332,8 @@
               </p:sp>
             </mc:Fallback>
           </mc:AlternateContent>
-          <mc:AlternateContent xmlns:mc="http://schemas.openxmlformats.org/markup-compatibility/2006">
-            <mc:Choice xmlns:a14="http://schemas.microsoft.com/office/drawing/2010/main" Requires="a14">
+          <mc:AlternateContent xmlns:mc="http://schemas.openxmlformats.org/markup-compatibility/2006" xmlns:a14="http://schemas.microsoft.com/office/drawing/2010/main">
+            <mc:Choice Requires="a14">
               <p:sp>
                 <p:nvSpPr>
                   <p:cNvPr id="33" name="Rectangle 32">
@@ -17440,7 +17440,7 @@
                 </p:txBody>
               </p:sp>
             </mc:Choice>
-            <mc:Fallback>
+            <mc:Fallback xmlns="">
               <p:sp>
                 <p:nvSpPr>
                   <p:cNvPr id="33" name="Rectangle 32">
@@ -17493,8 +17493,8 @@
               </p:sp>
             </mc:Fallback>
           </mc:AlternateContent>
-          <mc:AlternateContent xmlns:mc="http://schemas.openxmlformats.org/markup-compatibility/2006">
-            <mc:Choice xmlns:a14="http://schemas.microsoft.com/office/drawing/2010/main" Requires="a14">
+          <mc:AlternateContent xmlns:mc="http://schemas.openxmlformats.org/markup-compatibility/2006" xmlns:a14="http://schemas.microsoft.com/office/drawing/2010/main">
+            <mc:Choice Requires="a14">
               <p:sp>
                 <p:nvSpPr>
                   <p:cNvPr id="34" name="Rectangle 33">
@@ -17601,7 +17601,7 @@
                 </p:txBody>
               </p:sp>
             </mc:Choice>
-            <mc:Fallback>
+            <mc:Fallback xmlns="">
               <p:sp>
                 <p:nvSpPr>
                   <p:cNvPr id="34" name="Rectangle 33">
@@ -17681,8 +17681,8 @@
               </a:schemeClr>
             </a:solidFill>
           </p:grpSpPr>
-          <mc:AlternateContent xmlns:mc="http://schemas.openxmlformats.org/markup-compatibility/2006">
-            <mc:Choice xmlns:a14="http://schemas.microsoft.com/office/drawing/2010/main" Requires="a14">
+          <mc:AlternateContent xmlns:mc="http://schemas.openxmlformats.org/markup-compatibility/2006" xmlns:a14="http://schemas.microsoft.com/office/drawing/2010/main">
+            <mc:Choice Requires="a14">
               <p:sp>
                 <p:nvSpPr>
                   <p:cNvPr id="36" name="Rectangle 35">
@@ -17789,7 +17789,7 @@
                 </p:txBody>
               </p:sp>
             </mc:Choice>
-            <mc:Fallback>
+            <mc:Fallback xmlns="">
               <p:sp>
                 <p:nvSpPr>
                   <p:cNvPr id="36" name="Rectangle 35">
@@ -17842,8 +17842,8 @@
               </p:sp>
             </mc:Fallback>
           </mc:AlternateContent>
-          <mc:AlternateContent xmlns:mc="http://schemas.openxmlformats.org/markup-compatibility/2006">
-            <mc:Choice xmlns:a14="http://schemas.microsoft.com/office/drawing/2010/main" Requires="a14">
+          <mc:AlternateContent xmlns:mc="http://schemas.openxmlformats.org/markup-compatibility/2006" xmlns:a14="http://schemas.microsoft.com/office/drawing/2010/main">
+            <mc:Choice Requires="a14">
               <p:sp>
                 <p:nvSpPr>
                   <p:cNvPr id="37" name="Rectangle 36">
@@ -17950,7 +17950,7 @@
                 </p:txBody>
               </p:sp>
             </mc:Choice>
-            <mc:Fallback>
+            <mc:Fallback xmlns="">
               <p:sp>
                 <p:nvSpPr>
                   <p:cNvPr id="37" name="Rectangle 36">
@@ -18003,8 +18003,8 @@
               </p:sp>
             </mc:Fallback>
           </mc:AlternateContent>
-          <mc:AlternateContent xmlns:mc="http://schemas.openxmlformats.org/markup-compatibility/2006">
-            <mc:Choice xmlns:a14="http://schemas.microsoft.com/office/drawing/2010/main" Requires="a14">
+          <mc:AlternateContent xmlns:mc="http://schemas.openxmlformats.org/markup-compatibility/2006" xmlns:a14="http://schemas.microsoft.com/office/drawing/2010/main">
+            <mc:Choice Requires="a14">
               <p:sp>
                 <p:nvSpPr>
                   <p:cNvPr id="38" name="Rectangle 37">
@@ -18111,7 +18111,7 @@
                 </p:txBody>
               </p:sp>
             </mc:Choice>
-            <mc:Fallback>
+            <mc:Fallback xmlns="">
               <p:sp>
                 <p:nvSpPr>
                   <p:cNvPr id="38" name="Rectangle 37">
@@ -18164,8 +18164,8 @@
               </p:sp>
             </mc:Fallback>
           </mc:AlternateContent>
-          <mc:AlternateContent xmlns:mc="http://schemas.openxmlformats.org/markup-compatibility/2006">
-            <mc:Choice xmlns:a14="http://schemas.microsoft.com/office/drawing/2010/main" Requires="a14">
+          <mc:AlternateContent xmlns:mc="http://schemas.openxmlformats.org/markup-compatibility/2006" xmlns:a14="http://schemas.microsoft.com/office/drawing/2010/main">
+            <mc:Choice Requires="a14">
               <p:sp>
                 <p:nvSpPr>
                   <p:cNvPr id="39" name="Rectangle 38">
@@ -18272,7 +18272,7 @@
                 </p:txBody>
               </p:sp>
             </mc:Choice>
-            <mc:Fallback>
+            <mc:Fallback xmlns="">
               <p:sp>
                 <p:nvSpPr>
                   <p:cNvPr id="39" name="Rectangle 38">
@@ -18352,8 +18352,8 @@
               </a:schemeClr>
             </a:solidFill>
           </p:grpSpPr>
-          <mc:AlternateContent xmlns:mc="http://schemas.openxmlformats.org/markup-compatibility/2006">
-            <mc:Choice xmlns:a14="http://schemas.microsoft.com/office/drawing/2010/main" Requires="a14">
+          <mc:AlternateContent xmlns:mc="http://schemas.openxmlformats.org/markup-compatibility/2006" xmlns:a14="http://schemas.microsoft.com/office/drawing/2010/main">
+            <mc:Choice Requires="a14">
               <p:sp>
                 <p:nvSpPr>
                   <p:cNvPr id="41" name="Rectangle 40">
@@ -18460,7 +18460,7 @@
                 </p:txBody>
               </p:sp>
             </mc:Choice>
-            <mc:Fallback>
+            <mc:Fallback xmlns="">
               <p:sp>
                 <p:nvSpPr>
                   <p:cNvPr id="41" name="Rectangle 40">
@@ -18513,8 +18513,8 @@
               </p:sp>
             </mc:Fallback>
           </mc:AlternateContent>
-          <mc:AlternateContent xmlns:mc="http://schemas.openxmlformats.org/markup-compatibility/2006">
-            <mc:Choice xmlns:a14="http://schemas.microsoft.com/office/drawing/2010/main" Requires="a14">
+          <mc:AlternateContent xmlns:mc="http://schemas.openxmlformats.org/markup-compatibility/2006" xmlns:a14="http://schemas.microsoft.com/office/drawing/2010/main">
+            <mc:Choice Requires="a14">
               <p:sp>
                 <p:nvSpPr>
                   <p:cNvPr id="42" name="Rectangle 41">
@@ -18621,7 +18621,7 @@
                 </p:txBody>
               </p:sp>
             </mc:Choice>
-            <mc:Fallback>
+            <mc:Fallback xmlns="">
               <p:sp>
                 <p:nvSpPr>
                   <p:cNvPr id="42" name="Rectangle 41">
@@ -18674,8 +18674,8 @@
               </p:sp>
             </mc:Fallback>
           </mc:AlternateContent>
-          <mc:AlternateContent xmlns:mc="http://schemas.openxmlformats.org/markup-compatibility/2006">
-            <mc:Choice xmlns:a14="http://schemas.microsoft.com/office/drawing/2010/main" Requires="a14">
+          <mc:AlternateContent xmlns:mc="http://schemas.openxmlformats.org/markup-compatibility/2006" xmlns:a14="http://schemas.microsoft.com/office/drawing/2010/main">
+            <mc:Choice Requires="a14">
               <p:sp>
                 <p:nvSpPr>
                   <p:cNvPr id="43" name="Rectangle 42">
@@ -18782,7 +18782,7 @@
                 </p:txBody>
               </p:sp>
             </mc:Choice>
-            <mc:Fallback>
+            <mc:Fallback xmlns="">
               <p:sp>
                 <p:nvSpPr>
                   <p:cNvPr id="43" name="Rectangle 42">
@@ -18835,8 +18835,8 @@
               </p:sp>
             </mc:Fallback>
           </mc:AlternateContent>
-          <mc:AlternateContent xmlns:mc="http://schemas.openxmlformats.org/markup-compatibility/2006">
-            <mc:Choice xmlns:a14="http://schemas.microsoft.com/office/drawing/2010/main" Requires="a14">
+          <mc:AlternateContent xmlns:mc="http://schemas.openxmlformats.org/markup-compatibility/2006" xmlns:a14="http://schemas.microsoft.com/office/drawing/2010/main">
+            <mc:Choice Requires="a14">
               <p:sp>
                 <p:nvSpPr>
                   <p:cNvPr id="44" name="Rectangle 43">
@@ -18943,7 +18943,7 @@
                 </p:txBody>
               </p:sp>
             </mc:Choice>
-            <mc:Fallback>
+            <mc:Fallback xmlns="">
               <p:sp>
                 <p:nvSpPr>
                   <p:cNvPr id="44" name="Rectangle 43">
@@ -19023,8 +19023,8 @@
               </a:schemeClr>
             </a:solidFill>
           </p:grpSpPr>
-          <mc:AlternateContent xmlns:mc="http://schemas.openxmlformats.org/markup-compatibility/2006">
-            <mc:Choice xmlns:a14="http://schemas.microsoft.com/office/drawing/2010/main" Requires="a14">
+          <mc:AlternateContent xmlns:mc="http://schemas.openxmlformats.org/markup-compatibility/2006" xmlns:a14="http://schemas.microsoft.com/office/drawing/2010/main">
+            <mc:Choice Requires="a14">
               <p:sp>
                 <p:nvSpPr>
                   <p:cNvPr id="46" name="Rectangle 45">
@@ -19131,7 +19131,7 @@
                 </p:txBody>
               </p:sp>
             </mc:Choice>
-            <mc:Fallback>
+            <mc:Fallback xmlns="">
               <p:sp>
                 <p:nvSpPr>
                   <p:cNvPr id="46" name="Rectangle 45">
@@ -19184,8 +19184,8 @@
               </p:sp>
             </mc:Fallback>
           </mc:AlternateContent>
-          <mc:AlternateContent xmlns:mc="http://schemas.openxmlformats.org/markup-compatibility/2006">
-            <mc:Choice xmlns:a14="http://schemas.microsoft.com/office/drawing/2010/main" Requires="a14">
+          <mc:AlternateContent xmlns:mc="http://schemas.openxmlformats.org/markup-compatibility/2006" xmlns:a14="http://schemas.microsoft.com/office/drawing/2010/main">
+            <mc:Choice Requires="a14">
               <p:sp>
                 <p:nvSpPr>
                   <p:cNvPr id="47" name="Rectangle 46">
@@ -19292,7 +19292,7 @@
                 </p:txBody>
               </p:sp>
             </mc:Choice>
-            <mc:Fallback>
+            <mc:Fallback xmlns="">
               <p:sp>
                 <p:nvSpPr>
                   <p:cNvPr id="47" name="Rectangle 46">
@@ -19345,8 +19345,8 @@
               </p:sp>
             </mc:Fallback>
           </mc:AlternateContent>
-          <mc:AlternateContent xmlns:mc="http://schemas.openxmlformats.org/markup-compatibility/2006">
-            <mc:Choice xmlns:a14="http://schemas.microsoft.com/office/drawing/2010/main" Requires="a14">
+          <mc:AlternateContent xmlns:mc="http://schemas.openxmlformats.org/markup-compatibility/2006" xmlns:a14="http://schemas.microsoft.com/office/drawing/2010/main">
+            <mc:Choice Requires="a14">
               <p:sp>
                 <p:nvSpPr>
                   <p:cNvPr id="48" name="Rectangle 47">
@@ -19453,7 +19453,7 @@
                 </p:txBody>
               </p:sp>
             </mc:Choice>
-            <mc:Fallback>
+            <mc:Fallback xmlns="">
               <p:sp>
                 <p:nvSpPr>
                   <p:cNvPr id="48" name="Rectangle 47">
@@ -19506,8 +19506,8 @@
               </p:sp>
             </mc:Fallback>
           </mc:AlternateContent>
-          <mc:AlternateContent xmlns:mc="http://schemas.openxmlformats.org/markup-compatibility/2006">
-            <mc:Choice xmlns:a14="http://schemas.microsoft.com/office/drawing/2010/main" Requires="a14">
+          <mc:AlternateContent xmlns:mc="http://schemas.openxmlformats.org/markup-compatibility/2006" xmlns:a14="http://schemas.microsoft.com/office/drawing/2010/main">
+            <mc:Choice Requires="a14">
               <p:sp>
                 <p:nvSpPr>
                   <p:cNvPr id="49" name="Rectangle 48">
@@ -19614,7 +19614,7 @@
                 </p:txBody>
               </p:sp>
             </mc:Choice>
-            <mc:Fallback>
+            <mc:Fallback xmlns="">
               <p:sp>
                 <p:nvSpPr>
                   <p:cNvPr id="49" name="Rectangle 48">
@@ -19695,8 +19695,8 @@
             </a:schemeClr>
           </a:solidFill>
         </p:grpSpPr>
-        <mc:AlternateContent xmlns:mc="http://schemas.openxmlformats.org/markup-compatibility/2006">
-          <mc:Choice xmlns:a14="http://schemas.microsoft.com/office/drawing/2010/main" Requires="a14">
+        <mc:AlternateContent xmlns:mc="http://schemas.openxmlformats.org/markup-compatibility/2006" xmlns:a14="http://schemas.microsoft.com/office/drawing/2010/main">
+          <mc:Choice Requires="a14">
             <p:sp>
               <p:nvSpPr>
                 <p:cNvPr id="52" name="Rectangle 51">
@@ -19798,7 +19798,7 @@
               </p:txBody>
             </p:sp>
           </mc:Choice>
-          <mc:Fallback>
+          <mc:Fallback xmlns="">
             <p:sp>
               <p:nvSpPr>
                 <p:cNvPr id="52" name="Rectangle 51">
@@ -19851,8 +19851,8 @@
             </p:sp>
           </mc:Fallback>
         </mc:AlternateContent>
-        <mc:AlternateContent xmlns:mc="http://schemas.openxmlformats.org/markup-compatibility/2006">
-          <mc:Choice xmlns:a14="http://schemas.microsoft.com/office/drawing/2010/main" Requires="a14">
+        <mc:AlternateContent xmlns:mc="http://schemas.openxmlformats.org/markup-compatibility/2006" xmlns:a14="http://schemas.microsoft.com/office/drawing/2010/main">
+          <mc:Choice Requires="a14">
             <p:sp>
               <p:nvSpPr>
                 <p:cNvPr id="53" name="Rectangle 52">
@@ -19954,7 +19954,7 @@
               </p:txBody>
             </p:sp>
           </mc:Choice>
-          <mc:Fallback>
+          <mc:Fallback xmlns="">
             <p:sp>
               <p:nvSpPr>
                 <p:cNvPr id="53" name="Rectangle 52">
@@ -20007,8 +20007,8 @@
             </p:sp>
           </mc:Fallback>
         </mc:AlternateContent>
-        <mc:AlternateContent xmlns:mc="http://schemas.openxmlformats.org/markup-compatibility/2006">
-          <mc:Choice xmlns:a14="http://schemas.microsoft.com/office/drawing/2010/main" Requires="a14">
+        <mc:AlternateContent xmlns:mc="http://schemas.openxmlformats.org/markup-compatibility/2006" xmlns:a14="http://schemas.microsoft.com/office/drawing/2010/main">
+          <mc:Choice Requires="a14">
             <p:sp>
               <p:nvSpPr>
                 <p:cNvPr id="54" name="Rectangle 53">
@@ -20110,7 +20110,7 @@
               </p:txBody>
             </p:sp>
           </mc:Choice>
-          <mc:Fallback>
+          <mc:Fallback xmlns="">
             <p:sp>
               <p:nvSpPr>
                 <p:cNvPr id="54" name="Rectangle 53">
@@ -20163,8 +20163,8 @@
             </p:sp>
           </mc:Fallback>
         </mc:AlternateContent>
-        <mc:AlternateContent xmlns:mc="http://schemas.openxmlformats.org/markup-compatibility/2006">
-          <mc:Choice xmlns:a14="http://schemas.microsoft.com/office/drawing/2010/main" Requires="a14">
+        <mc:AlternateContent xmlns:mc="http://schemas.openxmlformats.org/markup-compatibility/2006" xmlns:a14="http://schemas.microsoft.com/office/drawing/2010/main">
+          <mc:Choice Requires="a14">
             <p:sp>
               <p:nvSpPr>
                 <p:cNvPr id="55" name="Rectangle 54">
@@ -20266,7 +20266,7 @@
               </p:txBody>
             </p:sp>
           </mc:Choice>
-          <mc:Fallback>
+          <mc:Fallback xmlns="">
             <p:sp>
               <p:nvSpPr>
                 <p:cNvPr id="55" name="Rectangle 54">
@@ -20384,8 +20384,8 @@
           </a:p>
         </p:txBody>
       </p:sp>
-      <mc:AlternateContent xmlns:mc="http://schemas.openxmlformats.org/markup-compatibility/2006">
-        <mc:Choice xmlns:a14="http://schemas.microsoft.com/office/drawing/2010/main" Requires="a14">
+      <mc:AlternateContent xmlns:mc="http://schemas.openxmlformats.org/markup-compatibility/2006" xmlns:a14="http://schemas.microsoft.com/office/drawing/2010/main">
+        <mc:Choice Requires="a14">
           <p:sp>
             <p:nvSpPr>
               <p:cNvPr id="3" name="Content Placeholder 2">
@@ -20918,7 +20918,7 @@
             </p:txBody>
           </p:sp>
         </mc:Choice>
-        <mc:Fallback>
+        <mc:Fallback xmlns="">
           <p:sp>
             <p:nvSpPr>
               <p:cNvPr id="3" name="Content Placeholder 2">
@@ -20962,8 +20962,8 @@
           </p:sp>
         </mc:Fallback>
       </mc:AlternateContent>
-      <mc:AlternateContent xmlns:mc="http://schemas.openxmlformats.org/markup-compatibility/2006">
-        <mc:Choice xmlns:a14="http://schemas.microsoft.com/office/drawing/2010/main" Requires="a14">
+      <mc:AlternateContent xmlns:mc="http://schemas.openxmlformats.org/markup-compatibility/2006" xmlns:a14="http://schemas.microsoft.com/office/drawing/2010/main">
+        <mc:Choice Requires="a14">
           <p:sp>
             <p:nvSpPr>
               <p:cNvPr id="7" name="TextBox 6">
@@ -21055,7 +21055,7 @@
             </p:txBody>
           </p:sp>
         </mc:Choice>
-        <mc:Fallback>
+        <mc:Fallback xmlns="">
           <p:sp>
             <p:nvSpPr>
               <p:cNvPr id="7" name="TextBox 6">
@@ -21100,8 +21100,8 @@
           </p:sp>
         </mc:Fallback>
       </mc:AlternateContent>
-      <mc:AlternateContent xmlns:mc="http://schemas.openxmlformats.org/markup-compatibility/2006">
-        <mc:Choice xmlns:a14="http://schemas.microsoft.com/office/drawing/2010/main" Requires="a14">
+      <mc:AlternateContent xmlns:mc="http://schemas.openxmlformats.org/markup-compatibility/2006" xmlns:a14="http://schemas.microsoft.com/office/drawing/2010/main">
+        <mc:Choice Requires="a14">
           <p:sp>
             <p:nvSpPr>
               <p:cNvPr id="8" name="TextBox 7">
@@ -21193,7 +21193,7 @@
             </p:txBody>
           </p:sp>
         </mc:Choice>
-        <mc:Fallback>
+        <mc:Fallback xmlns="">
           <p:sp>
             <p:nvSpPr>
               <p:cNvPr id="8" name="TextBox 7">
@@ -21238,8 +21238,8 @@
           </p:sp>
         </mc:Fallback>
       </mc:AlternateContent>
-      <mc:AlternateContent xmlns:mc="http://schemas.openxmlformats.org/markup-compatibility/2006">
-        <mc:Choice xmlns:a14="http://schemas.microsoft.com/office/drawing/2010/main" Requires="a14">
+      <mc:AlternateContent xmlns:mc="http://schemas.openxmlformats.org/markup-compatibility/2006" xmlns:a14="http://schemas.microsoft.com/office/drawing/2010/main">
+        <mc:Choice Requires="a14">
           <p:sp>
             <p:nvSpPr>
               <p:cNvPr id="9" name="TextBox 8">
@@ -21331,7 +21331,7 @@
             </p:txBody>
           </p:sp>
         </mc:Choice>
-        <mc:Fallback>
+        <mc:Fallback xmlns="">
           <p:sp>
             <p:nvSpPr>
               <p:cNvPr id="9" name="TextBox 8">
@@ -21376,8 +21376,8 @@
           </p:sp>
         </mc:Fallback>
       </mc:AlternateContent>
-      <mc:AlternateContent xmlns:mc="http://schemas.openxmlformats.org/markup-compatibility/2006">
-        <mc:Choice xmlns:a14="http://schemas.microsoft.com/office/drawing/2010/main" Requires="a14">
+      <mc:AlternateContent xmlns:mc="http://schemas.openxmlformats.org/markup-compatibility/2006" xmlns:a14="http://schemas.microsoft.com/office/drawing/2010/main">
+        <mc:Choice Requires="a14">
           <p:sp>
             <p:nvSpPr>
               <p:cNvPr id="10" name="TextBox 9">
@@ -21469,7 +21469,7 @@
             </p:txBody>
           </p:sp>
         </mc:Choice>
-        <mc:Fallback>
+        <mc:Fallback xmlns="">
           <p:sp>
             <p:nvSpPr>
               <p:cNvPr id="10" name="TextBox 9">
@@ -21514,8 +21514,8 @@
           </p:sp>
         </mc:Fallback>
       </mc:AlternateContent>
-      <mc:AlternateContent xmlns:mc="http://schemas.openxmlformats.org/markup-compatibility/2006">
-        <mc:Choice xmlns:a14="http://schemas.microsoft.com/office/drawing/2010/main" Requires="a14">
+      <mc:AlternateContent xmlns:mc="http://schemas.openxmlformats.org/markup-compatibility/2006" xmlns:a14="http://schemas.microsoft.com/office/drawing/2010/main">
+        <mc:Choice Requires="a14">
           <p:sp>
             <p:nvSpPr>
               <p:cNvPr id="11" name="TextBox 10">
@@ -21607,7 +21607,7 @@
             </p:txBody>
           </p:sp>
         </mc:Choice>
-        <mc:Fallback>
+        <mc:Fallback xmlns="">
           <p:sp>
             <p:nvSpPr>
               <p:cNvPr id="11" name="TextBox 10">
@@ -21652,8 +21652,8 @@
           </p:sp>
         </mc:Fallback>
       </mc:AlternateContent>
-      <mc:AlternateContent xmlns:mc="http://schemas.openxmlformats.org/markup-compatibility/2006">
-        <mc:Choice xmlns:a14="http://schemas.microsoft.com/office/drawing/2010/main" Requires="a14">
+      <mc:AlternateContent xmlns:mc="http://schemas.openxmlformats.org/markup-compatibility/2006" xmlns:a14="http://schemas.microsoft.com/office/drawing/2010/main">
+        <mc:Choice Requires="a14">
           <p:sp>
             <p:nvSpPr>
               <p:cNvPr id="12" name="TextBox 11">
@@ -21745,7 +21745,7 @@
             </p:txBody>
           </p:sp>
         </mc:Choice>
-        <mc:Fallback>
+        <mc:Fallback xmlns="">
           <p:sp>
             <p:nvSpPr>
               <p:cNvPr id="12" name="TextBox 11">
@@ -21790,8 +21790,8 @@
           </p:sp>
         </mc:Fallback>
       </mc:AlternateContent>
-      <mc:AlternateContent xmlns:mc="http://schemas.openxmlformats.org/markup-compatibility/2006">
-        <mc:Choice xmlns:a14="http://schemas.microsoft.com/office/drawing/2010/main" Requires="a14">
+      <mc:AlternateContent xmlns:mc="http://schemas.openxmlformats.org/markup-compatibility/2006" xmlns:a14="http://schemas.microsoft.com/office/drawing/2010/main">
+        <mc:Choice Requires="a14">
           <p:sp>
             <p:nvSpPr>
               <p:cNvPr id="13" name="TextBox 12">
@@ -21883,7 +21883,7 @@
             </p:txBody>
           </p:sp>
         </mc:Choice>
-        <mc:Fallback>
+        <mc:Fallback xmlns="">
           <p:sp>
             <p:nvSpPr>
               <p:cNvPr id="13" name="TextBox 12">
@@ -21977,8 +21977,8 @@
           </a:p>
         </p:txBody>
       </p:sp>
-      <mc:AlternateContent xmlns:mc="http://schemas.openxmlformats.org/markup-compatibility/2006">
-        <mc:Choice xmlns:a14="http://schemas.microsoft.com/office/drawing/2010/main" Requires="a14">
+      <mc:AlternateContent xmlns:mc="http://schemas.openxmlformats.org/markup-compatibility/2006" xmlns:a14="http://schemas.microsoft.com/office/drawing/2010/main">
+        <mc:Choice Requires="a14">
           <p:sp>
             <p:nvSpPr>
               <p:cNvPr id="15" name="TextBox 14">
@@ -22097,7 +22097,7 @@
             </p:txBody>
           </p:sp>
         </mc:Choice>
-        <mc:Fallback>
+        <mc:Fallback xmlns="">
           <p:sp>
             <p:nvSpPr>
               <p:cNvPr id="15" name="TextBox 14">
@@ -22201,8 +22201,8 @@
           </a:p>
         </p:txBody>
       </p:sp>
-      <mc:AlternateContent xmlns:mc="http://schemas.openxmlformats.org/markup-compatibility/2006">
-        <mc:Choice xmlns:a14="http://schemas.microsoft.com/office/drawing/2010/main" Requires="a14">
+      <mc:AlternateContent xmlns:mc="http://schemas.openxmlformats.org/markup-compatibility/2006" xmlns:a14="http://schemas.microsoft.com/office/drawing/2010/main">
+        <mc:Choice Requires="a14">
           <p:sp>
             <p:nvSpPr>
               <p:cNvPr id="18" name="TextBox 17">
@@ -22325,7 +22325,7 @@
             </p:txBody>
           </p:sp>
         </mc:Choice>
-        <mc:Fallback>
+        <mc:Fallback xmlns="">
           <p:sp>
             <p:nvSpPr>
               <p:cNvPr id="18" name="TextBox 17">
@@ -24207,25 +24207,25 @@
                   <a:buChar char="•"/>
                 </a:pPr>
                 <a:r>
-                  <a:rPr lang="en-US" strike="sngStrike" dirty="0"/>
+                  <a:rPr lang="en-US" dirty="0"/>
                   <a:t>One where index </a:t>
                 </a:r>
                 <a14:m>
                   <m:oMath xmlns:m="http://schemas.openxmlformats.org/officeDocument/2006/math">
                     <m:r>
-                      <a:rPr lang="en-US" b="0" i="1" strike="sngStrike" smtClean="0">
+                      <a:rPr lang="en-US" b="0" i="1" smtClean="0">
                         <a:latin typeface="Cambria Math" panose="02040503050406030204" pitchFamily="18" charset="0"/>
                       </a:rPr>
                       <m:t>𝑖</m:t>
                     </m:r>
                     <m:r>
-                      <a:rPr lang="en-US" b="0" i="1" strike="sngStrike" smtClean="0">
+                      <a:rPr lang="en-US" b="0" i="1" smtClean="0">
                         <a:latin typeface="Cambria Math" panose="02040503050406030204" pitchFamily="18" charset="0"/>
                       </a:rPr>
                       <m:t>,</m:t>
                     </m:r>
                     <m:r>
-                      <a:rPr lang="en-US" b="0" i="1" strike="sngStrike" smtClean="0">
+                      <a:rPr lang="en-US" b="0" i="1" smtClean="0">
                         <a:latin typeface="Cambria Math" panose="02040503050406030204" pitchFamily="18" charset="0"/>
                       </a:rPr>
                       <m:t>𝑗</m:t>
@@ -24233,13 +24233,13 @@
                   </m:oMath>
                 </a14:m>
                 <a:r>
-                  <a:rPr lang="en-US" strike="sngStrike" dirty="0"/>
+                  <a:rPr lang="en-US" dirty="0"/>
                   <a:t> has the </a:t>
                 </a:r>
                 <a14:m>
                   <m:oMath xmlns:m="http://schemas.openxmlformats.org/officeDocument/2006/math">
                     <m:r>
-                      <a:rPr lang="en-US" b="0" i="1" strike="sngStrike" smtClean="0">
+                      <a:rPr lang="en-US" b="0" i="1" smtClean="0">
                         <a:latin typeface="Cambria Math" panose="02040503050406030204" pitchFamily="18" charset="0"/>
                       </a:rPr>
                       <m:t>𝑗</m:t>
@@ -24247,24 +24247,24 @@
                   </m:oMath>
                 </a14:m>
                 <a:r>
-                  <a:rPr lang="en-US" strike="sngStrike" dirty="0" err="1"/>
+                  <a:rPr lang="en-US" dirty="0" err="1"/>
                   <a:t>th</a:t>
                 </a:r>
                 <a:r>
-                  <a:rPr lang="en-US" strike="sngStrike" dirty="0"/>
+                  <a:rPr lang="en-US" dirty="0"/>
                   <a:t> favorite proposer for receiver </a:t>
                 </a:r>
                 <a14:m>
                   <m:oMath xmlns:m="http://schemas.openxmlformats.org/officeDocument/2006/math">
                     <m:r>
-                      <a:rPr lang="en-US" b="0" i="1" strike="sngStrike" smtClean="0">
+                      <a:rPr lang="en-US" b="0" i="1" smtClean="0">
                         <a:latin typeface="Cambria Math" panose="02040503050406030204" pitchFamily="18" charset="0"/>
                       </a:rPr>
                       <m:t>𝑖</m:t>
                     </m:r>
                   </m:oMath>
                 </a14:m>
-                <a:endParaRPr lang="en-US" strike="sngStrike" dirty="0"/>
+                <a:endParaRPr lang="en-US" dirty="0"/>
               </a:p>
               <a:p>
                 <a:pPr marL="457200" indent="-457200">
@@ -24275,25 +24275,25 @@
                   <a:buChar char="•"/>
                 </a:pPr>
                 <a:r>
-                  <a:rPr lang="en-US" strike="sngStrike" dirty="0"/>
+                  <a:rPr lang="en-US" dirty="0"/>
                   <a:t>One where index </a:t>
                 </a:r>
                 <a14:m>
                   <m:oMath xmlns:m="http://schemas.openxmlformats.org/officeDocument/2006/math">
                     <m:r>
-                      <a:rPr lang="en-US" i="1" strike="sngStrike">
+                      <a:rPr lang="en-US" i="1">
                         <a:latin typeface="Cambria Math" panose="02040503050406030204" pitchFamily="18" charset="0"/>
                       </a:rPr>
                       <m:t>𝑖</m:t>
                     </m:r>
                     <m:r>
-                      <a:rPr lang="en-US" i="1" strike="sngStrike">
+                      <a:rPr lang="en-US" i="1">
                         <a:latin typeface="Cambria Math" panose="02040503050406030204" pitchFamily="18" charset="0"/>
                       </a:rPr>
                       <m:t>,</m:t>
                     </m:r>
                     <m:r>
-                      <a:rPr lang="en-US" i="1" strike="sngStrike">
+                      <a:rPr lang="en-US" i="1">
                         <a:latin typeface="Cambria Math" panose="02040503050406030204" pitchFamily="18" charset="0"/>
                       </a:rPr>
                       <m:t>𝑗</m:t>
@@ -24301,13 +24301,13 @@
                   </m:oMath>
                 </a14:m>
                 <a:r>
-                  <a:rPr lang="en-US" strike="sngStrike" dirty="0"/>
+                  <a:rPr lang="en-US" dirty="0"/>
                   <a:t> has the </a:t>
                 </a:r>
                 <a14:m>
                   <m:oMath xmlns:m="http://schemas.openxmlformats.org/officeDocument/2006/math">
                     <m:r>
-                      <a:rPr lang="en-US" i="1" strike="sngStrike">
+                      <a:rPr lang="en-US" i="1">
                         <a:latin typeface="Cambria Math" panose="02040503050406030204" pitchFamily="18" charset="0"/>
                       </a:rPr>
                       <m:t>𝑗</m:t>
@@ -24315,24 +24315,24 @@
                   </m:oMath>
                 </a14:m>
                 <a:r>
-                  <a:rPr lang="en-US" strike="sngStrike" dirty="0" err="1"/>
+                  <a:rPr lang="en-US" dirty="0" err="1"/>
                   <a:t>th</a:t>
                 </a:r>
                 <a:r>
-                  <a:rPr lang="en-US" strike="sngStrike" dirty="0"/>
+                  <a:rPr lang="en-US" dirty="0"/>
                   <a:t> favorite receiver for proposer </a:t>
                 </a:r>
                 <a14:m>
                   <m:oMath xmlns:m="http://schemas.openxmlformats.org/officeDocument/2006/math">
                     <m:r>
-                      <a:rPr lang="en-US" i="1" strike="sngStrike">
+                      <a:rPr lang="en-US" i="1">
                         <a:latin typeface="Cambria Math" panose="02040503050406030204" pitchFamily="18" charset="0"/>
                       </a:rPr>
                       <m:t>𝑖</m:t>
                     </m:r>
                   </m:oMath>
                 </a14:m>
-                <a:endParaRPr lang="en-US" strike="sngStrike" dirty="0"/>
+                <a:endParaRPr lang="en-US" dirty="0"/>
               </a:p>
               <a:p>
                 <a:pPr marL="457200" indent="-457200">
@@ -24623,8 +24623,8 @@
               </a:schemeClr>
             </a:solidFill>
           </p:grpSpPr>
-          <mc:AlternateContent xmlns:mc="http://schemas.openxmlformats.org/markup-compatibility/2006">
-            <mc:Choice xmlns:a14="http://schemas.microsoft.com/office/drawing/2010/main" Requires="a14">
+          <mc:AlternateContent xmlns:mc="http://schemas.openxmlformats.org/markup-compatibility/2006" xmlns:a14="http://schemas.microsoft.com/office/drawing/2010/main">
+            <mc:Choice Requires="a14">
               <p:sp>
                 <p:nvSpPr>
                   <p:cNvPr id="42" name="Rectangle 41">
@@ -24769,7 +24769,7 @@
                 </p:txBody>
               </p:sp>
             </mc:Choice>
-            <mc:Fallback>
+            <mc:Fallback xmlns="">
               <p:sp>
                 <p:nvSpPr>
                   <p:cNvPr id="42" name="Rectangle 41">
@@ -24822,8 +24822,8 @@
               </p:sp>
             </mc:Fallback>
           </mc:AlternateContent>
-          <mc:AlternateContent xmlns:mc="http://schemas.openxmlformats.org/markup-compatibility/2006">
-            <mc:Choice xmlns:a14="http://schemas.microsoft.com/office/drawing/2010/main" Requires="a14">
+          <mc:AlternateContent xmlns:mc="http://schemas.openxmlformats.org/markup-compatibility/2006" xmlns:a14="http://schemas.microsoft.com/office/drawing/2010/main">
+            <mc:Choice Requires="a14">
               <p:sp>
                 <p:nvSpPr>
                   <p:cNvPr id="43" name="Rectangle 42">
@@ -24968,7 +24968,7 @@
                 </p:txBody>
               </p:sp>
             </mc:Choice>
-            <mc:Fallback>
+            <mc:Fallback xmlns="">
               <p:sp>
                 <p:nvSpPr>
                   <p:cNvPr id="43" name="Rectangle 42">
@@ -25021,8 +25021,8 @@
               </p:sp>
             </mc:Fallback>
           </mc:AlternateContent>
-          <mc:AlternateContent xmlns:mc="http://schemas.openxmlformats.org/markup-compatibility/2006">
-            <mc:Choice xmlns:a14="http://schemas.microsoft.com/office/drawing/2010/main" Requires="a14">
+          <mc:AlternateContent xmlns:mc="http://schemas.openxmlformats.org/markup-compatibility/2006" xmlns:a14="http://schemas.microsoft.com/office/drawing/2010/main">
+            <mc:Choice Requires="a14">
               <p:sp>
                 <p:nvSpPr>
                   <p:cNvPr id="44" name="Rectangle 43">
@@ -25167,7 +25167,7 @@
                 </p:txBody>
               </p:sp>
             </mc:Choice>
-            <mc:Fallback>
+            <mc:Fallback xmlns="">
               <p:sp>
                 <p:nvSpPr>
                   <p:cNvPr id="44" name="Rectangle 43">
@@ -25220,8 +25220,8 @@
               </p:sp>
             </mc:Fallback>
           </mc:AlternateContent>
-          <mc:AlternateContent xmlns:mc="http://schemas.openxmlformats.org/markup-compatibility/2006">
-            <mc:Choice xmlns:a14="http://schemas.microsoft.com/office/drawing/2010/main" Requires="a14">
+          <mc:AlternateContent xmlns:mc="http://schemas.openxmlformats.org/markup-compatibility/2006" xmlns:a14="http://schemas.microsoft.com/office/drawing/2010/main">
+            <mc:Choice Requires="a14">
               <p:sp>
                 <p:nvSpPr>
                   <p:cNvPr id="45" name="Rectangle 44">
@@ -25366,7 +25366,7 @@
                 </p:txBody>
               </p:sp>
             </mc:Choice>
-            <mc:Fallback>
+            <mc:Fallback xmlns="">
               <p:sp>
                 <p:nvSpPr>
                   <p:cNvPr id="45" name="Rectangle 44">
@@ -25446,8 +25446,8 @@
               </a:schemeClr>
             </a:solidFill>
           </p:grpSpPr>
-          <mc:AlternateContent xmlns:mc="http://schemas.openxmlformats.org/markup-compatibility/2006">
-            <mc:Choice xmlns:a14="http://schemas.microsoft.com/office/drawing/2010/main" Requires="a14">
+          <mc:AlternateContent xmlns:mc="http://schemas.openxmlformats.org/markup-compatibility/2006" xmlns:a14="http://schemas.microsoft.com/office/drawing/2010/main">
+            <mc:Choice Requires="a14">
               <p:sp>
                 <p:nvSpPr>
                   <p:cNvPr id="38" name="Rectangle 37">
@@ -25592,7 +25592,7 @@
                 </p:txBody>
               </p:sp>
             </mc:Choice>
-            <mc:Fallback>
+            <mc:Fallback xmlns="">
               <p:sp>
                 <p:nvSpPr>
                   <p:cNvPr id="38" name="Rectangle 37">
@@ -25645,8 +25645,8 @@
               </p:sp>
             </mc:Fallback>
           </mc:AlternateContent>
-          <mc:AlternateContent xmlns:mc="http://schemas.openxmlformats.org/markup-compatibility/2006">
-            <mc:Choice xmlns:a14="http://schemas.microsoft.com/office/drawing/2010/main" Requires="a14">
+          <mc:AlternateContent xmlns:mc="http://schemas.openxmlformats.org/markup-compatibility/2006" xmlns:a14="http://schemas.microsoft.com/office/drawing/2010/main">
+            <mc:Choice Requires="a14">
               <p:sp>
                 <p:nvSpPr>
                   <p:cNvPr id="39" name="Rectangle 38">
@@ -25791,7 +25791,7 @@
                 </p:txBody>
               </p:sp>
             </mc:Choice>
-            <mc:Fallback>
+            <mc:Fallback xmlns="">
               <p:sp>
                 <p:nvSpPr>
                   <p:cNvPr id="39" name="Rectangle 38">
@@ -25844,8 +25844,8 @@
               </p:sp>
             </mc:Fallback>
           </mc:AlternateContent>
-          <mc:AlternateContent xmlns:mc="http://schemas.openxmlformats.org/markup-compatibility/2006">
-            <mc:Choice xmlns:a14="http://schemas.microsoft.com/office/drawing/2010/main" Requires="a14">
+          <mc:AlternateContent xmlns:mc="http://schemas.openxmlformats.org/markup-compatibility/2006" xmlns:a14="http://schemas.microsoft.com/office/drawing/2010/main">
+            <mc:Choice Requires="a14">
               <p:sp>
                 <p:nvSpPr>
                   <p:cNvPr id="40" name="Rectangle 39">
@@ -25990,7 +25990,7 @@
                 </p:txBody>
               </p:sp>
             </mc:Choice>
-            <mc:Fallback>
+            <mc:Fallback xmlns="">
               <p:sp>
                 <p:nvSpPr>
                   <p:cNvPr id="40" name="Rectangle 39">
@@ -26043,8 +26043,8 @@
               </p:sp>
             </mc:Fallback>
           </mc:AlternateContent>
-          <mc:AlternateContent xmlns:mc="http://schemas.openxmlformats.org/markup-compatibility/2006">
-            <mc:Choice xmlns:a14="http://schemas.microsoft.com/office/drawing/2010/main" Requires="a14">
+          <mc:AlternateContent xmlns:mc="http://schemas.openxmlformats.org/markup-compatibility/2006" xmlns:a14="http://schemas.microsoft.com/office/drawing/2010/main">
+            <mc:Choice Requires="a14">
               <p:sp>
                 <p:nvSpPr>
                   <p:cNvPr id="41" name="Rectangle 40">
@@ -26189,7 +26189,7 @@
                 </p:txBody>
               </p:sp>
             </mc:Choice>
-            <mc:Fallback>
+            <mc:Fallback xmlns="">
               <p:sp>
                 <p:nvSpPr>
                   <p:cNvPr id="41" name="Rectangle 40">
@@ -26269,8 +26269,8 @@
               </a:schemeClr>
             </a:solidFill>
           </p:grpSpPr>
-          <mc:AlternateContent xmlns:mc="http://schemas.openxmlformats.org/markup-compatibility/2006">
-            <mc:Choice xmlns:a14="http://schemas.microsoft.com/office/drawing/2010/main" Requires="a14">
+          <mc:AlternateContent xmlns:mc="http://schemas.openxmlformats.org/markup-compatibility/2006" xmlns:a14="http://schemas.microsoft.com/office/drawing/2010/main">
+            <mc:Choice Requires="a14">
               <p:sp>
                 <p:nvSpPr>
                   <p:cNvPr id="34" name="Rectangle 33">
@@ -26415,7 +26415,7 @@
                 </p:txBody>
               </p:sp>
             </mc:Choice>
-            <mc:Fallback>
+            <mc:Fallback xmlns="">
               <p:sp>
                 <p:nvSpPr>
                   <p:cNvPr id="34" name="Rectangle 33">
@@ -26468,8 +26468,8 @@
               </p:sp>
             </mc:Fallback>
           </mc:AlternateContent>
-          <mc:AlternateContent xmlns:mc="http://schemas.openxmlformats.org/markup-compatibility/2006">
-            <mc:Choice xmlns:a14="http://schemas.microsoft.com/office/drawing/2010/main" Requires="a14">
+          <mc:AlternateContent xmlns:mc="http://schemas.openxmlformats.org/markup-compatibility/2006" xmlns:a14="http://schemas.microsoft.com/office/drawing/2010/main">
+            <mc:Choice Requires="a14">
               <p:sp>
                 <p:nvSpPr>
                   <p:cNvPr id="35" name="Rectangle 34">
@@ -26614,7 +26614,7 @@
                 </p:txBody>
               </p:sp>
             </mc:Choice>
-            <mc:Fallback>
+            <mc:Fallback xmlns="">
               <p:sp>
                 <p:nvSpPr>
                   <p:cNvPr id="35" name="Rectangle 34">
@@ -26667,8 +26667,8 @@
               </p:sp>
             </mc:Fallback>
           </mc:AlternateContent>
-          <mc:AlternateContent xmlns:mc="http://schemas.openxmlformats.org/markup-compatibility/2006">
-            <mc:Choice xmlns:a14="http://schemas.microsoft.com/office/drawing/2010/main" Requires="a14">
+          <mc:AlternateContent xmlns:mc="http://schemas.openxmlformats.org/markup-compatibility/2006" xmlns:a14="http://schemas.microsoft.com/office/drawing/2010/main">
+            <mc:Choice Requires="a14">
               <p:sp>
                 <p:nvSpPr>
                   <p:cNvPr id="36" name="Rectangle 35">
@@ -26813,7 +26813,7 @@
                 </p:txBody>
               </p:sp>
             </mc:Choice>
-            <mc:Fallback>
+            <mc:Fallback xmlns="">
               <p:sp>
                 <p:nvSpPr>
                   <p:cNvPr id="36" name="Rectangle 35">
@@ -26866,8 +26866,8 @@
               </p:sp>
             </mc:Fallback>
           </mc:AlternateContent>
-          <mc:AlternateContent xmlns:mc="http://schemas.openxmlformats.org/markup-compatibility/2006">
-            <mc:Choice xmlns:a14="http://schemas.microsoft.com/office/drawing/2010/main" Requires="a14">
+          <mc:AlternateContent xmlns:mc="http://schemas.openxmlformats.org/markup-compatibility/2006" xmlns:a14="http://schemas.microsoft.com/office/drawing/2010/main">
+            <mc:Choice Requires="a14">
               <p:sp>
                 <p:nvSpPr>
                   <p:cNvPr id="37" name="Rectangle 36">
@@ -27012,7 +27012,7 @@
                 </p:txBody>
               </p:sp>
             </mc:Choice>
-            <mc:Fallback>
+            <mc:Fallback xmlns="">
               <p:sp>
                 <p:nvSpPr>
                   <p:cNvPr id="37" name="Rectangle 36">
@@ -27092,8 +27092,8 @@
               </a:schemeClr>
             </a:solidFill>
           </p:grpSpPr>
-          <mc:AlternateContent xmlns:mc="http://schemas.openxmlformats.org/markup-compatibility/2006">
-            <mc:Choice xmlns:a14="http://schemas.microsoft.com/office/drawing/2010/main" Requires="a14">
+          <mc:AlternateContent xmlns:mc="http://schemas.openxmlformats.org/markup-compatibility/2006" xmlns:a14="http://schemas.microsoft.com/office/drawing/2010/main">
+            <mc:Choice Requires="a14">
               <p:sp>
                 <p:nvSpPr>
                   <p:cNvPr id="30" name="Rectangle 29">
@@ -27238,7 +27238,7 @@
                 </p:txBody>
               </p:sp>
             </mc:Choice>
-            <mc:Fallback>
+            <mc:Fallback xmlns="">
               <p:sp>
                 <p:nvSpPr>
                   <p:cNvPr id="30" name="Rectangle 29">
@@ -27291,8 +27291,8 @@
               </p:sp>
             </mc:Fallback>
           </mc:AlternateContent>
-          <mc:AlternateContent xmlns:mc="http://schemas.openxmlformats.org/markup-compatibility/2006">
-            <mc:Choice xmlns:a14="http://schemas.microsoft.com/office/drawing/2010/main" Requires="a14">
+          <mc:AlternateContent xmlns:mc="http://schemas.openxmlformats.org/markup-compatibility/2006" xmlns:a14="http://schemas.microsoft.com/office/drawing/2010/main">
+            <mc:Choice Requires="a14">
               <p:sp>
                 <p:nvSpPr>
                   <p:cNvPr id="31" name="Rectangle 30">
@@ -27437,7 +27437,7 @@
                 </p:txBody>
               </p:sp>
             </mc:Choice>
-            <mc:Fallback>
+            <mc:Fallback xmlns="">
               <p:sp>
                 <p:nvSpPr>
                   <p:cNvPr id="31" name="Rectangle 30">
@@ -27490,8 +27490,8 @@
               </p:sp>
             </mc:Fallback>
           </mc:AlternateContent>
-          <mc:AlternateContent xmlns:mc="http://schemas.openxmlformats.org/markup-compatibility/2006">
-            <mc:Choice xmlns:a14="http://schemas.microsoft.com/office/drawing/2010/main" Requires="a14">
+          <mc:AlternateContent xmlns:mc="http://schemas.openxmlformats.org/markup-compatibility/2006" xmlns:a14="http://schemas.microsoft.com/office/drawing/2010/main">
+            <mc:Choice Requires="a14">
               <p:sp>
                 <p:nvSpPr>
                   <p:cNvPr id="32" name="Rectangle 31">
@@ -27636,7 +27636,7 @@
                 </p:txBody>
               </p:sp>
             </mc:Choice>
-            <mc:Fallback>
+            <mc:Fallback xmlns="">
               <p:sp>
                 <p:nvSpPr>
                   <p:cNvPr id="32" name="Rectangle 31">
@@ -27689,8 +27689,8 @@
               </p:sp>
             </mc:Fallback>
           </mc:AlternateContent>
-          <mc:AlternateContent xmlns:mc="http://schemas.openxmlformats.org/markup-compatibility/2006">
-            <mc:Choice xmlns:a14="http://schemas.microsoft.com/office/drawing/2010/main" Requires="a14">
+          <mc:AlternateContent xmlns:mc="http://schemas.openxmlformats.org/markup-compatibility/2006" xmlns:a14="http://schemas.microsoft.com/office/drawing/2010/main">
+            <mc:Choice Requires="a14">
               <p:sp>
                 <p:nvSpPr>
                   <p:cNvPr id="33" name="Rectangle 32">
@@ -27835,7 +27835,7 @@
                 </p:txBody>
               </p:sp>
             </mc:Choice>
-            <mc:Fallback>
+            <mc:Fallback xmlns="">
               <p:sp>
                 <p:nvSpPr>
                   <p:cNvPr id="33" name="Rectangle 32">
@@ -28037,8 +28037,8 @@
           </a:p>
         </p:txBody>
       </p:sp>
-      <mc:AlternateContent xmlns:mc="http://schemas.openxmlformats.org/markup-compatibility/2006">
-        <mc:Choice xmlns:a14="http://schemas.microsoft.com/office/drawing/2010/main" Requires="a14">
+      <mc:AlternateContent xmlns:mc="http://schemas.openxmlformats.org/markup-compatibility/2006" xmlns:a14="http://schemas.microsoft.com/office/drawing/2010/main">
+        <mc:Choice Requires="a14">
           <p:sp>
             <p:nvSpPr>
               <p:cNvPr id="3" name="Content Placeholder 2">
@@ -28571,7 +28571,7 @@
             </p:txBody>
           </p:sp>
         </mc:Choice>
-        <mc:Fallback>
+        <mc:Fallback xmlns="">
           <p:sp>
             <p:nvSpPr>
               <p:cNvPr id="3" name="Content Placeholder 2">
@@ -28615,8 +28615,8 @@
           </p:sp>
         </mc:Fallback>
       </mc:AlternateContent>
-      <mc:AlternateContent xmlns:mc="http://schemas.openxmlformats.org/markup-compatibility/2006">
-        <mc:Choice xmlns:a14="http://schemas.microsoft.com/office/drawing/2010/main" Requires="a14">
+      <mc:AlternateContent xmlns:mc="http://schemas.openxmlformats.org/markup-compatibility/2006" xmlns:a14="http://schemas.microsoft.com/office/drawing/2010/main">
+        <mc:Choice Requires="a14">
           <p:sp>
             <p:nvSpPr>
               <p:cNvPr id="7" name="TextBox 6">
@@ -28708,7 +28708,7 @@
             </p:txBody>
           </p:sp>
         </mc:Choice>
-        <mc:Fallback>
+        <mc:Fallback xmlns="">
           <p:sp>
             <p:nvSpPr>
               <p:cNvPr id="7" name="TextBox 6">
@@ -28753,8 +28753,8 @@
           </p:sp>
         </mc:Fallback>
       </mc:AlternateContent>
-      <mc:AlternateContent xmlns:mc="http://schemas.openxmlformats.org/markup-compatibility/2006">
-        <mc:Choice xmlns:a14="http://schemas.microsoft.com/office/drawing/2010/main" Requires="a14">
+      <mc:AlternateContent xmlns:mc="http://schemas.openxmlformats.org/markup-compatibility/2006" xmlns:a14="http://schemas.microsoft.com/office/drawing/2010/main">
+        <mc:Choice Requires="a14">
           <p:sp>
             <p:nvSpPr>
               <p:cNvPr id="8" name="TextBox 7">
@@ -28846,7 +28846,7 @@
             </p:txBody>
           </p:sp>
         </mc:Choice>
-        <mc:Fallback>
+        <mc:Fallback xmlns="">
           <p:sp>
             <p:nvSpPr>
               <p:cNvPr id="8" name="TextBox 7">
@@ -28891,8 +28891,8 @@
           </p:sp>
         </mc:Fallback>
       </mc:AlternateContent>
-      <mc:AlternateContent xmlns:mc="http://schemas.openxmlformats.org/markup-compatibility/2006">
-        <mc:Choice xmlns:a14="http://schemas.microsoft.com/office/drawing/2010/main" Requires="a14">
+      <mc:AlternateContent xmlns:mc="http://schemas.openxmlformats.org/markup-compatibility/2006" xmlns:a14="http://schemas.microsoft.com/office/drawing/2010/main">
+        <mc:Choice Requires="a14">
           <p:sp>
             <p:nvSpPr>
               <p:cNvPr id="9" name="TextBox 8">
@@ -28984,7 +28984,7 @@
             </p:txBody>
           </p:sp>
         </mc:Choice>
-        <mc:Fallback>
+        <mc:Fallback xmlns="">
           <p:sp>
             <p:nvSpPr>
               <p:cNvPr id="9" name="TextBox 8">
@@ -29029,8 +29029,8 @@
           </p:sp>
         </mc:Fallback>
       </mc:AlternateContent>
-      <mc:AlternateContent xmlns:mc="http://schemas.openxmlformats.org/markup-compatibility/2006">
-        <mc:Choice xmlns:a14="http://schemas.microsoft.com/office/drawing/2010/main" Requires="a14">
+      <mc:AlternateContent xmlns:mc="http://schemas.openxmlformats.org/markup-compatibility/2006" xmlns:a14="http://schemas.microsoft.com/office/drawing/2010/main">
+        <mc:Choice Requires="a14">
           <p:sp>
             <p:nvSpPr>
               <p:cNvPr id="10" name="TextBox 9">
@@ -29122,7 +29122,7 @@
             </p:txBody>
           </p:sp>
         </mc:Choice>
-        <mc:Fallback>
+        <mc:Fallback xmlns="">
           <p:sp>
             <p:nvSpPr>
               <p:cNvPr id="10" name="TextBox 9">
@@ -29167,8 +29167,8 @@
           </p:sp>
         </mc:Fallback>
       </mc:AlternateContent>
-      <mc:AlternateContent xmlns:mc="http://schemas.openxmlformats.org/markup-compatibility/2006">
-        <mc:Choice xmlns:a14="http://schemas.microsoft.com/office/drawing/2010/main" Requires="a14">
+      <mc:AlternateContent xmlns:mc="http://schemas.openxmlformats.org/markup-compatibility/2006" xmlns:a14="http://schemas.microsoft.com/office/drawing/2010/main">
+        <mc:Choice Requires="a14">
           <p:sp>
             <p:nvSpPr>
               <p:cNvPr id="11" name="TextBox 10">
@@ -29260,7 +29260,7 @@
             </p:txBody>
           </p:sp>
         </mc:Choice>
-        <mc:Fallback>
+        <mc:Fallback xmlns="">
           <p:sp>
             <p:nvSpPr>
               <p:cNvPr id="11" name="TextBox 10">
@@ -29305,8 +29305,8 @@
           </p:sp>
         </mc:Fallback>
       </mc:AlternateContent>
-      <mc:AlternateContent xmlns:mc="http://schemas.openxmlformats.org/markup-compatibility/2006">
-        <mc:Choice xmlns:a14="http://schemas.microsoft.com/office/drawing/2010/main" Requires="a14">
+      <mc:AlternateContent xmlns:mc="http://schemas.openxmlformats.org/markup-compatibility/2006" xmlns:a14="http://schemas.microsoft.com/office/drawing/2010/main">
+        <mc:Choice Requires="a14">
           <p:sp>
             <p:nvSpPr>
               <p:cNvPr id="12" name="TextBox 11">
@@ -29398,7 +29398,7 @@
             </p:txBody>
           </p:sp>
         </mc:Choice>
-        <mc:Fallback>
+        <mc:Fallback xmlns="">
           <p:sp>
             <p:nvSpPr>
               <p:cNvPr id="12" name="TextBox 11">
@@ -29443,8 +29443,8 @@
           </p:sp>
         </mc:Fallback>
       </mc:AlternateContent>
-      <mc:AlternateContent xmlns:mc="http://schemas.openxmlformats.org/markup-compatibility/2006">
-        <mc:Choice xmlns:a14="http://schemas.microsoft.com/office/drawing/2010/main" Requires="a14">
+      <mc:AlternateContent xmlns:mc="http://schemas.openxmlformats.org/markup-compatibility/2006" xmlns:a14="http://schemas.microsoft.com/office/drawing/2010/main">
+        <mc:Choice Requires="a14">
           <p:sp>
             <p:nvSpPr>
               <p:cNvPr id="13" name="TextBox 12">
@@ -29536,7 +29536,7 @@
             </p:txBody>
           </p:sp>
         </mc:Choice>
-        <mc:Fallback>
+        <mc:Fallback xmlns="">
           <p:sp>
             <p:nvSpPr>
               <p:cNvPr id="13" name="TextBox 12">
@@ -29630,8 +29630,8 @@
           </a:p>
         </p:txBody>
       </p:sp>
-      <mc:AlternateContent xmlns:mc="http://schemas.openxmlformats.org/markup-compatibility/2006">
-        <mc:Choice xmlns:a14="http://schemas.microsoft.com/office/drawing/2010/main" Requires="a14">
+      <mc:AlternateContent xmlns:mc="http://schemas.openxmlformats.org/markup-compatibility/2006" xmlns:a14="http://schemas.microsoft.com/office/drawing/2010/main">
+        <mc:Choice Requires="a14">
           <p:sp>
             <p:nvSpPr>
               <p:cNvPr id="15" name="TextBox 14">
@@ -29750,7 +29750,7 @@
             </p:txBody>
           </p:sp>
         </mc:Choice>
-        <mc:Fallback>
+        <mc:Fallback xmlns="">
           <p:sp>
             <p:nvSpPr>
               <p:cNvPr id="15" name="TextBox 14">
@@ -29795,8 +29795,8 @@
           </p:sp>
         </mc:Fallback>
       </mc:AlternateContent>
-      <mc:AlternateContent xmlns:mc="http://schemas.openxmlformats.org/markup-compatibility/2006">
-        <mc:Choice xmlns:a14="http://schemas.microsoft.com/office/drawing/2010/main" Requires="a14">
+      <mc:AlternateContent xmlns:mc="http://schemas.openxmlformats.org/markup-compatibility/2006" xmlns:a14="http://schemas.microsoft.com/office/drawing/2010/main">
+        <mc:Choice Requires="a14">
           <p:sp>
             <p:nvSpPr>
               <p:cNvPr id="18" name="TextBox 17">
@@ -29919,7 +29919,7 @@
             </p:txBody>
           </p:sp>
         </mc:Choice>
-        <mc:Fallback>
+        <mc:Fallback xmlns="">
           <p:sp>
             <p:nvSpPr>
               <p:cNvPr id="18" name="TextBox 17">
